--- a/2.Sensor lesson/Lesson 13 DIY fan/Lesson 13 DIY fan.pptx
+++ b/2.Sensor lesson/Lesson 13 DIY fan/Lesson 13 DIY fan.pptx
@@ -33,27 +33,20 @@
       <p:regular r:id="rId21"/>
     </p:embeddedFont>
     <p:embeddedFont>
-      <p:font typeface="Yu Gothic UI Semibold" panose="020B0700000000000000" charset="-128"/>
-      <p:bold r:id="rId22"/>
+      <p:font typeface="Yu Gothic UI Semibold" charset="-128"/>
+      <p:regular r:id="rId22"/>
     </p:embeddedFont>
     <p:embeddedFont>
-      <p:font typeface="微软雅黑 Light" panose="020B0502040204020203" charset="-122"/>
+      <p:font typeface="微软雅黑 Light" charset="-122"/>
       <p:regular r:id="rId23"/>
     </p:embeddedFont>
     <p:embeddedFont>
-      <p:font typeface="方正卡通简体" panose="02010600030101010101" charset="0"/>
+      <p:font typeface="方正喵呜体" charset="0"/>
       <p:regular r:id="rId24"/>
     </p:embeddedFont>
     <p:embeddedFont>
-      <p:font typeface="方正喵呜体" panose="02010600010101010101" charset="0"/>
+      <p:font typeface="方正卡通简体" charset="0"/>
       <p:regular r:id="rId25"/>
-    </p:embeddedFont>
-    <p:embeddedFont>
-      <p:font typeface="Calibri" panose="020F0502020204030204" charset="0"/>
-      <p:regular r:id="rId26"/>
-      <p:bold r:id="rId27"/>
-      <p:italic r:id="rId28"/>
-      <p:boldItalic r:id="rId29"/>
     </p:embeddedFont>
   </p:embeddedFontLst>
   <p:defaultTextStyle>
@@ -4672,7 +4665,7 @@
         <a:spcBef>
           <a:spcPts val="1000"/>
         </a:spcBef>
-        <a:buFont typeface="Arial" panose="020B0604020202020204" pitchFamily="34" charset="0"/>
+        <a:buFont typeface="Arial" pitchFamily="34" charset="0"/>
         <a:buChar char="•"/>
         <a:defRPr sz="2800" kern="1200">
           <a:solidFill>
@@ -4690,7 +4683,7 @@
         <a:spcBef>
           <a:spcPts val="500"/>
         </a:spcBef>
-        <a:buFont typeface="Arial" panose="020B0604020202020204" pitchFamily="34" charset="0"/>
+        <a:buFont typeface="Arial" pitchFamily="34" charset="0"/>
         <a:buChar char="•"/>
         <a:defRPr sz="2400" kern="1200">
           <a:solidFill>
@@ -4708,7 +4701,7 @@
         <a:spcBef>
           <a:spcPts val="500"/>
         </a:spcBef>
-        <a:buFont typeface="Arial" panose="020B0604020202020204" pitchFamily="34" charset="0"/>
+        <a:buFont typeface="Arial" pitchFamily="34" charset="0"/>
         <a:buChar char="•"/>
         <a:defRPr sz="2000" kern="1200">
           <a:solidFill>
@@ -4726,7 +4719,7 @@
         <a:spcBef>
           <a:spcPts val="500"/>
         </a:spcBef>
-        <a:buFont typeface="Arial" panose="020B0604020202020204" pitchFamily="34" charset="0"/>
+        <a:buFont typeface="Arial" pitchFamily="34" charset="0"/>
         <a:buChar char="•"/>
         <a:defRPr sz="1800" kern="1200">
           <a:solidFill>
@@ -4744,7 +4737,7 @@
         <a:spcBef>
           <a:spcPts val="500"/>
         </a:spcBef>
-        <a:buFont typeface="Arial" panose="020B0604020202020204" pitchFamily="34" charset="0"/>
+        <a:buFont typeface="Arial" pitchFamily="34" charset="0"/>
         <a:buChar char="•"/>
         <a:defRPr sz="1800" kern="1200">
           <a:solidFill>
@@ -4762,7 +4755,7 @@
         <a:spcBef>
           <a:spcPts val="500"/>
         </a:spcBef>
-        <a:buFont typeface="Arial" panose="020B0604020202020204" pitchFamily="34" charset="0"/>
+        <a:buFont typeface="Arial" pitchFamily="34" charset="0"/>
         <a:buChar char="•"/>
         <a:defRPr sz="1800" kern="1200">
           <a:solidFill>
@@ -4780,7 +4773,7 @@
         <a:spcBef>
           <a:spcPts val="500"/>
         </a:spcBef>
-        <a:buFont typeface="Arial" panose="020B0604020202020204" pitchFamily="34" charset="0"/>
+        <a:buFont typeface="Arial" pitchFamily="34" charset="0"/>
         <a:buChar char="•"/>
         <a:defRPr sz="1800" kern="1200">
           <a:solidFill>
@@ -4798,7 +4791,7 @@
         <a:spcBef>
           <a:spcPts val="500"/>
         </a:spcBef>
-        <a:buFont typeface="Arial" panose="020B0604020202020204" pitchFamily="34" charset="0"/>
+        <a:buFont typeface="Arial" pitchFamily="34" charset="0"/>
         <a:buChar char="•"/>
         <a:defRPr sz="1800" kern="1200">
           <a:solidFill>
@@ -4816,7 +4809,7 @@
         <a:spcBef>
           <a:spcPts val="500"/>
         </a:spcBef>
-        <a:buFont typeface="Arial" panose="020B0604020202020204" pitchFamily="34" charset="0"/>
+        <a:buFont typeface="Arial" pitchFamily="34" charset="0"/>
         <a:buChar char="•"/>
         <a:defRPr sz="1800" kern="1200">
           <a:solidFill>
@@ -5798,8 +5791,8 @@
                 <a:solidFill>
                   <a:schemeClr val="bg1"/>
                 </a:solidFill>
-                <a:latin typeface="Arial" panose="020B0604020202020204" pitchFamily="34" charset="0"/>
-                <a:ea typeface="Arial" panose="020B0604020202020204" pitchFamily="34" charset="0"/>
+                <a:latin typeface="Arial" pitchFamily="34" charset="0"/>
+                <a:ea typeface="Arial" pitchFamily="34" charset="0"/>
                 <a:sym typeface="+mn-ea"/>
               </a:rPr>
               <a:t> </a:t>
@@ -5809,8 +5802,8 @@
                 <a:solidFill>
                   <a:schemeClr val="bg1"/>
                 </a:solidFill>
-                <a:latin typeface="Arial" panose="020B0604020202020204" pitchFamily="34" charset="0"/>
-                <a:ea typeface="Arial" panose="020B0604020202020204" pitchFamily="34" charset="0"/>
+                <a:latin typeface="Arial" pitchFamily="34" charset="0"/>
+                <a:ea typeface="Arial" pitchFamily="34" charset="0"/>
                 <a:sym typeface="+mn-ea"/>
               </a:rPr>
               <a:t>YahBoom     </a:t>
@@ -5820,8 +5813,8 @@
                 <a:solidFill>
                   <a:schemeClr val="bg1"/>
                 </a:solidFill>
-                <a:latin typeface="Arial" panose="020B0604020202020204" pitchFamily="34" charset="0"/>
-                <a:ea typeface="Arial" panose="020B0604020202020204" pitchFamily="34" charset="0"/>
+                <a:latin typeface="Arial" pitchFamily="34" charset="0"/>
+                <a:ea typeface="Arial" pitchFamily="34" charset="0"/>
                 <a:sym typeface="+mn-ea"/>
               </a:rPr>
               <a:t>micro:bit</a:t>
@@ -5831,8 +5824,8 @@
                 <a:solidFill>
                   <a:schemeClr val="bg1"/>
                 </a:solidFill>
-                <a:latin typeface="Arial" panose="020B0604020202020204" pitchFamily="34" charset="0"/>
-                <a:ea typeface="Arial" panose="020B0604020202020204" pitchFamily="34" charset="0"/>
+                <a:latin typeface="Arial" pitchFamily="34" charset="0"/>
+                <a:ea typeface="Arial" pitchFamily="34" charset="0"/>
                 <a:sym typeface="+mn-ea"/>
               </a:rPr>
               <a:t> module tutorial</a:t>
@@ -6133,8 +6126,8 @@
                     </a:srgbClr>
                   </a:outerShdw>
                 </a:effectLst>
-                <a:latin typeface="Arial" panose="020B0604020202020204" pitchFamily="34" charset="0"/>
-                <a:ea typeface="Arial" panose="020B0604020202020204" pitchFamily="34" charset="0"/>
+                <a:latin typeface="Arial" pitchFamily="34" charset="0"/>
+                <a:ea typeface="Arial" pitchFamily="34" charset="0"/>
               </a:rPr>
               <a:t>Lesson 13</a:t>
             </a:r>
@@ -6149,8 +6142,8 @@
                   </a:srgbClr>
                 </a:outerShdw>
               </a:effectLst>
-              <a:latin typeface="Arial" panose="020B0604020202020204" pitchFamily="34" charset="0"/>
-              <a:ea typeface="Arial" panose="020B0604020202020204" pitchFamily="34" charset="0"/>
+              <a:latin typeface="Arial" pitchFamily="34" charset="0"/>
+              <a:ea typeface="Arial" pitchFamily="34" charset="0"/>
             </a:endParaRPr>
           </a:p>
         </p:txBody>
@@ -6190,8 +6183,8 @@
                     </a:srgbClr>
                   </a:outerShdw>
                 </a:effectLst>
-                <a:latin typeface="Arial" panose="020B0604020202020204" pitchFamily="34" charset="0"/>
-                <a:ea typeface="Arial" panose="020B0604020202020204" pitchFamily="34" charset="0"/>
+                <a:latin typeface="Arial" pitchFamily="34" charset="0"/>
+                <a:ea typeface="Arial" pitchFamily="34" charset="0"/>
               </a:rPr>
               <a:t>micro:bit</a:t>
             </a:r>
@@ -6207,8 +6200,8 @@
                     </a:srgbClr>
                   </a:outerShdw>
                 </a:effectLst>
-                <a:latin typeface="Arial" panose="020B0604020202020204" pitchFamily="34" charset="0"/>
-                <a:ea typeface="Arial" panose="020B0604020202020204" pitchFamily="34" charset="0"/>
+                <a:latin typeface="Arial" pitchFamily="34" charset="0"/>
+                <a:ea typeface="Arial" pitchFamily="34" charset="0"/>
               </a:rPr>
               <a:t> </a:t>
             </a:r>
@@ -6224,8 +6217,8 @@
                     </a:srgbClr>
                   </a:outerShdw>
                 </a:effectLst>
-                <a:latin typeface="Arial" panose="020B0604020202020204" pitchFamily="34" charset="0"/>
-                <a:ea typeface="Arial" panose="020B0604020202020204" pitchFamily="34" charset="0"/>
+                <a:latin typeface="Arial" pitchFamily="34" charset="0"/>
+                <a:ea typeface="Arial" pitchFamily="34" charset="0"/>
                 <a:sym typeface="+mn-ea"/>
               </a:rPr>
               <a:t>sensor lesson 13 “DIY fan”</a:t>
@@ -6241,8 +6234,8 @@
                   </a:srgbClr>
                 </a:outerShdw>
               </a:effectLst>
-              <a:latin typeface="Arial" panose="020B0604020202020204" pitchFamily="34" charset="0"/>
-              <a:ea typeface="Arial" panose="020B0604020202020204" pitchFamily="34" charset="0"/>
+              <a:latin typeface="Arial" pitchFamily="34" charset="0"/>
+              <a:ea typeface="Arial" pitchFamily="34" charset="0"/>
             </a:endParaRPr>
           </a:p>
         </p:txBody>
@@ -6508,8 +6501,8 @@
                 <a:solidFill>
                   <a:schemeClr val="bg1"/>
                 </a:solidFill>
-                <a:latin typeface="Arial" panose="020B0604020202020204" pitchFamily="34" charset="0"/>
-                <a:ea typeface="Arial" panose="020B0604020202020204" pitchFamily="34" charset="0"/>
+                <a:latin typeface="Arial" pitchFamily="34" charset="0"/>
+                <a:ea typeface="Arial" pitchFamily="34" charset="0"/>
               </a:rPr>
               <a:t>      </a:t>
             </a:r>
@@ -6518,8 +6511,8 @@
                 <a:solidFill>
                   <a:schemeClr val="bg1"/>
                 </a:solidFill>
-                <a:latin typeface="Arial" panose="020B0604020202020204" pitchFamily="34" charset="0"/>
-                <a:ea typeface="Arial" panose="020B0604020202020204" pitchFamily="34" charset="0"/>
+                <a:latin typeface="Arial" pitchFamily="34" charset="0"/>
+                <a:ea typeface="Arial" pitchFamily="34" charset="0"/>
               </a:rPr>
               <a:t>               </a:t>
             </a:r>
@@ -6528,8 +6521,8 @@
                 <a:solidFill>
                   <a:schemeClr val="bg1"/>
                 </a:solidFill>
-                <a:latin typeface="Arial" panose="020B0604020202020204" pitchFamily="34" charset="0"/>
-                <a:ea typeface="Arial" panose="020B0604020202020204" pitchFamily="34" charset="0"/>
+                <a:latin typeface="Arial" pitchFamily="34" charset="0"/>
+                <a:ea typeface="Arial" pitchFamily="34" charset="0"/>
               </a:rPr>
               <a:t>micro:bit</a:t>
             </a:r>
@@ -6538,28 +6531,28 @@
                 <a:solidFill>
                   <a:schemeClr val="bg1"/>
                 </a:solidFill>
-                <a:latin typeface="Arial" panose="020B0604020202020204" pitchFamily="34" charset="0"/>
-                <a:ea typeface="Arial" panose="020B0604020202020204" pitchFamily="34" charset="0"/>
+                <a:latin typeface="Arial" pitchFamily="34" charset="0"/>
+                <a:ea typeface="Arial" pitchFamily="34" charset="0"/>
               </a:rPr>
               <a:t> entry video tutorial</a:t>
             </a:r>
             <a:r>
               <a:rPr lang="zh-CN" altLang="en-US" sz="2800">
                 <a:latin typeface="icomoon" charset="0"/>
-                <a:ea typeface="Yu Gothic UI Semibold" panose="020B0700000000000000" charset="-128"/>
+                <a:ea typeface="Yu Gothic UI Semibold" charset="-128"/>
               </a:rPr>
               <a:t>          </a:t>
             </a:r>
             <a:r>
               <a:rPr lang="zh-CN" altLang="en-US" sz="2800" u="sng">
                 <a:latin typeface="icomoon" charset="0"/>
-                <a:ea typeface="Yu Gothic UI Semibold" panose="020B0700000000000000" charset="-128"/>
+                <a:ea typeface="Yu Gothic UI Semibold" charset="-128"/>
               </a:rPr>
               <a:t>                     </a:t>
             </a:r>
             <a:endParaRPr lang="zh-CN" altLang="en-US" sz="2800" u="sng">
               <a:latin typeface="icomoon" charset="0"/>
-              <a:ea typeface="Yu Gothic UI Semibold" panose="020B0700000000000000" charset="-128"/>
+              <a:ea typeface="Yu Gothic UI Semibold" charset="-128"/>
             </a:endParaRPr>
           </a:p>
         </p:txBody>
@@ -6664,8 +6657,8 @@
                 <a:solidFill>
                   <a:schemeClr val="bg1"/>
                 </a:solidFill>
-                <a:latin typeface="Arial" panose="020B0604020202020204" pitchFamily="34" charset="0"/>
-                <a:ea typeface="Arial" panose="020B0604020202020204" pitchFamily="34" charset="0"/>
+                <a:latin typeface="Arial" pitchFamily="34" charset="0"/>
+                <a:ea typeface="Arial" pitchFamily="34" charset="0"/>
               </a:rPr>
               <a:t>                     </a:t>
             </a:r>
@@ -6674,8 +6667,8 @@
                 <a:solidFill>
                   <a:schemeClr val="bg1"/>
                 </a:solidFill>
-                <a:latin typeface="Arial" panose="020B0604020202020204" pitchFamily="34" charset="0"/>
-                <a:ea typeface="Arial" panose="020B0604020202020204" pitchFamily="34" charset="0"/>
+                <a:latin typeface="Arial" pitchFamily="34" charset="0"/>
+                <a:ea typeface="Arial" pitchFamily="34" charset="0"/>
               </a:rPr>
               <a:t>            </a:t>
             </a:r>
@@ -6684,8 +6677,8 @@
                 <a:solidFill>
                   <a:schemeClr val="bg1"/>
                 </a:solidFill>
-                <a:latin typeface="Arial" panose="020B0604020202020204" pitchFamily="34" charset="0"/>
-                <a:ea typeface="Arial" panose="020B0604020202020204" pitchFamily="34" charset="0"/>
+                <a:latin typeface="Arial" pitchFamily="34" charset="0"/>
+                <a:ea typeface="Arial" pitchFamily="34" charset="0"/>
               </a:rPr>
               <a:t>micro:bit</a:t>
             </a:r>
@@ -6694,8 +6687,8 @@
                 <a:solidFill>
                   <a:schemeClr val="bg1"/>
                 </a:solidFill>
-                <a:latin typeface="Arial" panose="020B0604020202020204" pitchFamily="34" charset="0"/>
-                <a:ea typeface="Arial" panose="020B0604020202020204" pitchFamily="34" charset="0"/>
+                <a:latin typeface="Arial" pitchFamily="34" charset="0"/>
+                <a:ea typeface="Arial" pitchFamily="34" charset="0"/>
               </a:rPr>
               <a:t> entry video tutorial</a:t>
             </a:r>
@@ -6704,21 +6697,21 @@
                 <a:solidFill>
                   <a:schemeClr val="bg1"/>
                 </a:solidFill>
-                <a:latin typeface="Arial" panose="020B0604020202020204" pitchFamily="34" charset="0"/>
-                <a:ea typeface="Arial" panose="020B0604020202020204" pitchFamily="34" charset="0"/>
+                <a:latin typeface="Arial" pitchFamily="34" charset="0"/>
+                <a:ea typeface="Arial" pitchFamily="34" charset="0"/>
               </a:rPr>
               <a:t> </a:t>
             </a:r>
             <a:r>
               <a:rPr lang="zh-CN" altLang="en-US" sz="2800" u="sng">
                 <a:latin typeface="icomoon" charset="0"/>
-                <a:ea typeface="Yu Gothic UI Semibold" panose="020B0700000000000000" charset="-128"/>
+                <a:ea typeface="Yu Gothic UI Semibold" charset="-128"/>
               </a:rPr>
               <a:t>                                </a:t>
             </a:r>
             <a:endParaRPr lang="zh-CN" altLang="en-US" sz="2800" u="sng">
               <a:latin typeface="icomoon" charset="0"/>
-              <a:ea typeface="Yu Gothic UI Semibold" panose="020B0700000000000000" charset="-128"/>
+              <a:ea typeface="Yu Gothic UI Semibold" charset="-128"/>
             </a:endParaRPr>
           </a:p>
         </p:txBody>
@@ -6751,8 +6744,8 @@
                     <a:lumMod val="75000"/>
                   </a:schemeClr>
                 </a:solidFill>
-                <a:latin typeface="Arial" panose="020B0604020202020204" pitchFamily="34" charset="0"/>
-                <a:ea typeface="Arial" panose="020B0604020202020204" pitchFamily="34" charset="0"/>
+                <a:latin typeface="Arial" pitchFamily="34" charset="0"/>
+                <a:ea typeface="Arial" pitchFamily="34" charset="0"/>
                 <a:sym typeface="+mn-ea"/>
               </a:rPr>
               <a:t>Part 3</a:t>
@@ -6763,8 +6756,8 @@
                   <a:lumMod val="75000"/>
                 </a:schemeClr>
               </a:solidFill>
-              <a:latin typeface="Arial" panose="020B0604020202020204" pitchFamily="34" charset="0"/>
-              <a:ea typeface="Arial" panose="020B0604020202020204" pitchFamily="34" charset="0"/>
+              <a:latin typeface="Arial" pitchFamily="34" charset="0"/>
+              <a:ea typeface="Arial" pitchFamily="34" charset="0"/>
               <a:sym typeface="+mn-ea"/>
             </a:endParaRPr>
           </a:p>
@@ -7388,8 +7381,8 @@
                 <a:solidFill>
                   <a:schemeClr val="bg1"/>
                 </a:solidFill>
-                <a:latin typeface="Arial" panose="020B0604020202020204" pitchFamily="34" charset="0"/>
-                <a:ea typeface="Arial" panose="020B0604020202020204" pitchFamily="34" charset="0"/>
+                <a:latin typeface="Arial" pitchFamily="34" charset="0"/>
+                <a:ea typeface="Arial" pitchFamily="34" charset="0"/>
                 <a:sym typeface="+mn-ea"/>
               </a:rPr>
               <a:t> </a:t>
@@ -7399,8 +7392,8 @@
                 <a:solidFill>
                   <a:schemeClr val="bg1"/>
                 </a:solidFill>
-                <a:latin typeface="Arial" panose="020B0604020202020204" pitchFamily="34" charset="0"/>
-                <a:ea typeface="Arial" panose="020B0604020202020204" pitchFamily="34" charset="0"/>
+                <a:latin typeface="Arial" pitchFamily="34" charset="0"/>
+                <a:ea typeface="Arial" pitchFamily="34" charset="0"/>
                 <a:sym typeface="+mn-ea"/>
               </a:rPr>
               <a:t>YahBoom     </a:t>
@@ -7410,8 +7403,8 @@
                 <a:solidFill>
                   <a:schemeClr val="bg1"/>
                 </a:solidFill>
-                <a:latin typeface="Arial" panose="020B0604020202020204" pitchFamily="34" charset="0"/>
-                <a:ea typeface="Arial" panose="020B0604020202020204" pitchFamily="34" charset="0"/>
+                <a:latin typeface="Arial" pitchFamily="34" charset="0"/>
+                <a:ea typeface="Arial" pitchFamily="34" charset="0"/>
                 <a:sym typeface="+mn-ea"/>
               </a:rPr>
               <a:t>micro:bit</a:t>
@@ -7421,8 +7414,8 @@
                 <a:solidFill>
                   <a:schemeClr val="bg1"/>
                 </a:solidFill>
-                <a:latin typeface="Arial" panose="020B0604020202020204" pitchFamily="34" charset="0"/>
-                <a:ea typeface="Arial" panose="020B0604020202020204" pitchFamily="34" charset="0"/>
+                <a:latin typeface="Arial" pitchFamily="34" charset="0"/>
+                <a:ea typeface="Arial" pitchFamily="34" charset="0"/>
                 <a:sym typeface="+mn-ea"/>
               </a:rPr>
               <a:t> module tutorial</a:t>
@@ -7459,8 +7452,8 @@
                     <a:lumMod val="75000"/>
                   </a:schemeClr>
                 </a:solidFill>
-                <a:latin typeface="Arial" panose="020B0604020202020204" pitchFamily="34" charset="0"/>
-                <a:ea typeface="Arial" panose="020B0604020202020204" pitchFamily="34" charset="0"/>
+                <a:latin typeface="Arial" pitchFamily="34" charset="0"/>
+                <a:ea typeface="Arial" pitchFamily="34" charset="0"/>
               </a:rPr>
               <a:t>Search for blocks</a:t>
             </a:r>
@@ -7470,8 +7463,8 @@
                   <a:lumMod val="75000"/>
                 </a:schemeClr>
               </a:solidFill>
-              <a:latin typeface="Arial" panose="020B0604020202020204" pitchFamily="34" charset="0"/>
-              <a:ea typeface="Arial" panose="020B0604020202020204" pitchFamily="34" charset="0"/>
+              <a:latin typeface="Arial" pitchFamily="34" charset="0"/>
+              <a:ea typeface="Arial" pitchFamily="34" charset="0"/>
             </a:endParaRPr>
           </a:p>
           <a:p>
@@ -7481,8 +7474,8 @@
                   <a:lumMod val="75000"/>
                 </a:schemeClr>
               </a:solidFill>
-              <a:latin typeface="Arial" panose="020B0604020202020204" pitchFamily="34" charset="0"/>
-              <a:ea typeface="Arial" panose="020B0604020202020204" pitchFamily="34" charset="0"/>
+              <a:latin typeface="Arial" pitchFamily="34" charset="0"/>
+              <a:ea typeface="Arial" pitchFamily="34" charset="0"/>
             </a:endParaRPr>
           </a:p>
         </p:txBody>
@@ -7579,8 +7572,8 @@
                 <a:solidFill>
                   <a:schemeClr val="bg1"/>
                 </a:solidFill>
-                <a:latin typeface="Arial" panose="020B0604020202020204" pitchFamily="34" charset="0"/>
-                <a:ea typeface="Arial" panose="020B0604020202020204" pitchFamily="34" charset="0"/>
+                <a:latin typeface="Arial" pitchFamily="34" charset="0"/>
+                <a:ea typeface="Arial" pitchFamily="34" charset="0"/>
               </a:rPr>
               <a:t>                     </a:t>
             </a:r>
@@ -7589,8 +7582,8 @@
                 <a:solidFill>
                   <a:schemeClr val="bg1"/>
                 </a:solidFill>
-                <a:latin typeface="Arial" panose="020B0604020202020204" pitchFamily="34" charset="0"/>
-                <a:ea typeface="Arial" panose="020B0604020202020204" pitchFamily="34" charset="0"/>
+                <a:latin typeface="Arial" pitchFamily="34" charset="0"/>
+                <a:ea typeface="Arial" pitchFamily="34" charset="0"/>
               </a:rPr>
               <a:t>            </a:t>
             </a:r>
@@ -7599,8 +7592,8 @@
                 <a:solidFill>
                   <a:schemeClr val="bg1"/>
                 </a:solidFill>
-                <a:latin typeface="Arial" panose="020B0604020202020204" pitchFamily="34" charset="0"/>
-                <a:ea typeface="Arial" panose="020B0604020202020204" pitchFamily="34" charset="0"/>
+                <a:latin typeface="Arial" pitchFamily="34" charset="0"/>
+                <a:ea typeface="Arial" pitchFamily="34" charset="0"/>
               </a:rPr>
               <a:t>micro:bit</a:t>
             </a:r>
@@ -7609,8 +7602,8 @@
                 <a:solidFill>
                   <a:schemeClr val="bg1"/>
                 </a:solidFill>
-                <a:latin typeface="Arial" panose="020B0604020202020204" pitchFamily="34" charset="0"/>
-                <a:ea typeface="Arial" panose="020B0604020202020204" pitchFamily="34" charset="0"/>
+                <a:latin typeface="Arial" pitchFamily="34" charset="0"/>
+                <a:ea typeface="Arial" pitchFamily="34" charset="0"/>
               </a:rPr>
               <a:t> entry video tutorial</a:t>
             </a:r>
@@ -7619,21 +7612,21 @@
                 <a:solidFill>
                   <a:schemeClr val="bg1"/>
                 </a:solidFill>
-                <a:latin typeface="Arial" panose="020B0604020202020204" pitchFamily="34" charset="0"/>
-                <a:ea typeface="Arial" panose="020B0604020202020204" pitchFamily="34" charset="0"/>
+                <a:latin typeface="Arial" pitchFamily="34" charset="0"/>
+                <a:ea typeface="Arial" pitchFamily="34" charset="0"/>
               </a:rPr>
               <a:t> </a:t>
             </a:r>
             <a:r>
               <a:rPr lang="zh-CN" altLang="en-US" sz="2800" u="sng">
                 <a:latin typeface="icomoon" charset="0"/>
-                <a:ea typeface="Yu Gothic UI Semibold" panose="020B0700000000000000" charset="-128"/>
+                <a:ea typeface="Yu Gothic UI Semibold" charset="-128"/>
               </a:rPr>
               <a:t>                                </a:t>
             </a:r>
             <a:endParaRPr lang="zh-CN" altLang="en-US" sz="2800" u="sng">
               <a:latin typeface="icomoon" charset="0"/>
-              <a:ea typeface="Yu Gothic UI Semibold" panose="020B0700000000000000" charset="-128"/>
+              <a:ea typeface="Yu Gothic UI Semibold" charset="-128"/>
             </a:endParaRPr>
           </a:p>
         </p:txBody>
@@ -7666,8 +7659,8 @@
                     <a:lumMod val="75000"/>
                   </a:schemeClr>
                 </a:solidFill>
-                <a:latin typeface="Arial" panose="020B0604020202020204" pitchFamily="34" charset="0"/>
-                <a:ea typeface="Arial" panose="020B0604020202020204" pitchFamily="34" charset="0"/>
+                <a:latin typeface="Arial" pitchFamily="34" charset="0"/>
+                <a:ea typeface="Arial" pitchFamily="34" charset="0"/>
                 <a:sym typeface="+mn-ea"/>
               </a:rPr>
               <a:t>Part 3</a:t>
@@ -7678,8 +7671,8 @@
                   <a:lumMod val="75000"/>
                 </a:schemeClr>
               </a:solidFill>
-              <a:latin typeface="Arial" panose="020B0604020202020204" pitchFamily="34" charset="0"/>
-              <a:ea typeface="Arial" panose="020B0604020202020204" pitchFamily="34" charset="0"/>
+              <a:latin typeface="Arial" pitchFamily="34" charset="0"/>
+              <a:ea typeface="Arial" pitchFamily="34" charset="0"/>
               <a:sym typeface="+mn-ea"/>
             </a:endParaRPr>
           </a:p>
@@ -8303,8 +8296,8 @@
                 <a:solidFill>
                   <a:schemeClr val="bg1"/>
                 </a:solidFill>
-                <a:latin typeface="Arial" panose="020B0604020202020204" pitchFamily="34" charset="0"/>
-                <a:ea typeface="Arial" panose="020B0604020202020204" pitchFamily="34" charset="0"/>
+                <a:latin typeface="Arial" pitchFamily="34" charset="0"/>
+                <a:ea typeface="Arial" pitchFamily="34" charset="0"/>
                 <a:sym typeface="+mn-ea"/>
               </a:rPr>
               <a:t> </a:t>
@@ -8314,8 +8307,8 @@
                 <a:solidFill>
                   <a:schemeClr val="bg1"/>
                 </a:solidFill>
-                <a:latin typeface="Arial" panose="020B0604020202020204" pitchFamily="34" charset="0"/>
-                <a:ea typeface="Arial" panose="020B0604020202020204" pitchFamily="34" charset="0"/>
+                <a:latin typeface="Arial" pitchFamily="34" charset="0"/>
+                <a:ea typeface="Arial" pitchFamily="34" charset="0"/>
                 <a:sym typeface="+mn-ea"/>
               </a:rPr>
               <a:t>YahBoom     </a:t>
@@ -8325,8 +8318,8 @@
                 <a:solidFill>
                   <a:schemeClr val="bg1"/>
                 </a:solidFill>
-                <a:latin typeface="Arial" panose="020B0604020202020204" pitchFamily="34" charset="0"/>
-                <a:ea typeface="Arial" panose="020B0604020202020204" pitchFamily="34" charset="0"/>
+                <a:latin typeface="Arial" pitchFamily="34" charset="0"/>
+                <a:ea typeface="Arial" pitchFamily="34" charset="0"/>
                 <a:sym typeface="+mn-ea"/>
               </a:rPr>
               <a:t>micro:bit</a:t>
@@ -8336,8 +8329,8 @@
                 <a:solidFill>
                   <a:schemeClr val="bg1"/>
                 </a:solidFill>
-                <a:latin typeface="Arial" panose="020B0604020202020204" pitchFamily="34" charset="0"/>
-                <a:ea typeface="Arial" panose="020B0604020202020204" pitchFamily="34" charset="0"/>
+                <a:latin typeface="Arial" pitchFamily="34" charset="0"/>
+                <a:ea typeface="Arial" pitchFamily="34" charset="0"/>
                 <a:sym typeface="+mn-ea"/>
               </a:rPr>
               <a:t> module tutorial</a:t>
@@ -8374,8 +8367,8 @@
                     <a:lumMod val="75000"/>
                   </a:schemeClr>
                 </a:solidFill>
-                <a:latin typeface="Arial" panose="020B0604020202020204" pitchFamily="34" charset="0"/>
-                <a:ea typeface="Arial" panose="020B0604020202020204" pitchFamily="34" charset="0"/>
+                <a:latin typeface="Arial" pitchFamily="34" charset="0"/>
+                <a:ea typeface="Arial" pitchFamily="34" charset="0"/>
               </a:rPr>
               <a:t>Search for blocks</a:t>
             </a:r>
@@ -8385,8 +8378,8 @@
                   <a:lumMod val="75000"/>
                 </a:schemeClr>
               </a:solidFill>
-              <a:latin typeface="Arial" panose="020B0604020202020204" pitchFamily="34" charset="0"/>
-              <a:ea typeface="Arial" panose="020B0604020202020204" pitchFamily="34" charset="0"/>
+              <a:latin typeface="Arial" pitchFamily="34" charset="0"/>
+              <a:ea typeface="Arial" pitchFamily="34" charset="0"/>
             </a:endParaRPr>
           </a:p>
           <a:p>
@@ -8396,8 +8389,8 @@
                   <a:lumMod val="75000"/>
                 </a:schemeClr>
               </a:solidFill>
-              <a:latin typeface="Arial" panose="020B0604020202020204" pitchFamily="34" charset="0"/>
-              <a:ea typeface="Arial" panose="020B0604020202020204" pitchFamily="34" charset="0"/>
+              <a:latin typeface="Arial" pitchFamily="34" charset="0"/>
+              <a:ea typeface="Arial" pitchFamily="34" charset="0"/>
             </a:endParaRPr>
           </a:p>
         </p:txBody>
@@ -8472,8 +8465,8 @@
                     <a:lumMod val="75000"/>
                   </a:schemeClr>
                 </a:solidFill>
-                <a:latin typeface="Arial" panose="020B0604020202020204" pitchFamily="34" charset="0"/>
-                <a:ea typeface="Arial" panose="020B0604020202020204" pitchFamily="34" charset="0"/>
+                <a:latin typeface="Arial" pitchFamily="34" charset="0"/>
+                <a:ea typeface="Arial" pitchFamily="34" charset="0"/>
                 <a:sym typeface="+mn-ea"/>
               </a:rPr>
               <a:t>Part 4</a:t>
@@ -8484,8 +8477,8 @@
                   <a:lumMod val="75000"/>
                 </a:schemeClr>
               </a:solidFill>
-              <a:latin typeface="Arial" panose="020B0604020202020204" pitchFamily="34" charset="0"/>
-              <a:ea typeface="Arial" panose="020B0604020202020204" pitchFamily="34" charset="0"/>
+              <a:latin typeface="Arial" pitchFamily="34" charset="0"/>
+              <a:ea typeface="Arial" pitchFamily="34" charset="0"/>
               <a:sym typeface="+mn-ea"/>
             </a:endParaRPr>
           </a:p>
@@ -8517,8 +8510,8 @@
                 <a:solidFill>
                   <a:schemeClr val="bg1"/>
                 </a:solidFill>
-                <a:latin typeface="Arial" panose="020B0604020202020204" pitchFamily="34" charset="0"/>
-                <a:ea typeface="Arial" panose="020B0604020202020204" pitchFamily="34" charset="0"/>
+                <a:latin typeface="Arial" pitchFamily="34" charset="0"/>
+                <a:ea typeface="Arial" pitchFamily="34" charset="0"/>
               </a:rPr>
               <a:t>          </a:t>
             </a:r>
@@ -8527,8 +8520,8 @@
                 <a:solidFill>
                   <a:schemeClr val="bg1"/>
                 </a:solidFill>
-                <a:latin typeface="Arial" panose="020B0604020202020204" pitchFamily="34" charset="0"/>
-                <a:ea typeface="Arial" panose="020B0604020202020204" pitchFamily="34" charset="0"/>
+                <a:latin typeface="Arial" pitchFamily="34" charset="0"/>
+                <a:ea typeface="Arial" pitchFamily="34" charset="0"/>
               </a:rPr>
               <a:t>                    </a:t>
             </a:r>
@@ -8537,8 +8530,8 @@
                 <a:solidFill>
                   <a:schemeClr val="bg1"/>
                 </a:solidFill>
-                <a:latin typeface="Arial" panose="020B0604020202020204" pitchFamily="34" charset="0"/>
-                <a:ea typeface="Arial" panose="020B0604020202020204" pitchFamily="34" charset="0"/>
+                <a:latin typeface="Arial" pitchFamily="34" charset="0"/>
+                <a:ea typeface="Arial" pitchFamily="34" charset="0"/>
               </a:rPr>
               <a:t>micro:bit</a:t>
             </a:r>
@@ -8547,8 +8540,8 @@
                 <a:solidFill>
                   <a:schemeClr val="bg1"/>
                 </a:solidFill>
-                <a:latin typeface="Arial" panose="020B0604020202020204" pitchFamily="34" charset="0"/>
-                <a:ea typeface="Arial" panose="020B0604020202020204" pitchFamily="34" charset="0"/>
+                <a:latin typeface="Arial" pitchFamily="34" charset="0"/>
+                <a:ea typeface="Arial" pitchFamily="34" charset="0"/>
               </a:rPr>
               <a:t> entry video tutorial</a:t>
             </a:r>
@@ -8557,21 +8550,21 @@
                 <a:solidFill>
                   <a:schemeClr val="bg1"/>
                 </a:solidFill>
-                <a:latin typeface="Arial" panose="020B0604020202020204" pitchFamily="34" charset="0"/>
-                <a:ea typeface="Arial" panose="020B0604020202020204" pitchFamily="34" charset="0"/>
+                <a:latin typeface="Arial" pitchFamily="34" charset="0"/>
+                <a:ea typeface="Arial" pitchFamily="34" charset="0"/>
               </a:rPr>
               <a:t> </a:t>
             </a:r>
             <a:r>
               <a:rPr lang="zh-CN" altLang="en-US" sz="2800" u="sng">
                 <a:latin typeface="icomoon" charset="0"/>
-                <a:ea typeface="Yu Gothic UI Semibold" panose="020B0700000000000000" charset="-128"/>
+                <a:ea typeface="Yu Gothic UI Semibold" charset="-128"/>
               </a:rPr>
               <a:t>                                </a:t>
             </a:r>
             <a:endParaRPr lang="zh-CN" altLang="en-US" sz="2800" u="sng">
               <a:latin typeface="icomoon" charset="0"/>
-              <a:ea typeface="Yu Gothic UI Semibold" panose="020B0700000000000000" charset="-128"/>
+              <a:ea typeface="Yu Gothic UI Semibold" charset="-128"/>
             </a:endParaRPr>
           </a:p>
         </p:txBody>
@@ -8971,8 +8964,8 @@
                 <a:solidFill>
                   <a:schemeClr val="bg1"/>
                 </a:solidFill>
-                <a:latin typeface="Arial" panose="020B0604020202020204" pitchFamily="34" charset="0"/>
-                <a:ea typeface="Arial" panose="020B0604020202020204" pitchFamily="34" charset="0"/>
+                <a:latin typeface="Arial" pitchFamily="34" charset="0"/>
+                <a:ea typeface="Arial" pitchFamily="34" charset="0"/>
                 <a:sym typeface="+mn-ea"/>
               </a:rPr>
               <a:t> </a:t>
@@ -8982,8 +8975,8 @@
                 <a:solidFill>
                   <a:schemeClr val="bg1"/>
                 </a:solidFill>
-                <a:latin typeface="Arial" panose="020B0604020202020204" pitchFamily="34" charset="0"/>
-                <a:ea typeface="Arial" panose="020B0604020202020204" pitchFamily="34" charset="0"/>
+                <a:latin typeface="Arial" pitchFamily="34" charset="0"/>
+                <a:ea typeface="Arial" pitchFamily="34" charset="0"/>
                 <a:sym typeface="+mn-ea"/>
               </a:rPr>
               <a:t>YahBoom     </a:t>
@@ -8993,8 +8986,8 @@
                 <a:solidFill>
                   <a:schemeClr val="bg1"/>
                 </a:solidFill>
-                <a:latin typeface="Arial" panose="020B0604020202020204" pitchFamily="34" charset="0"/>
-                <a:ea typeface="Arial" panose="020B0604020202020204" pitchFamily="34" charset="0"/>
+                <a:latin typeface="Arial" pitchFamily="34" charset="0"/>
+                <a:ea typeface="Arial" pitchFamily="34" charset="0"/>
                 <a:sym typeface="+mn-ea"/>
               </a:rPr>
               <a:t>micro:bit</a:t>
@@ -9004,8 +8997,8 @@
                 <a:solidFill>
                   <a:schemeClr val="bg1"/>
                 </a:solidFill>
-                <a:latin typeface="Arial" panose="020B0604020202020204" pitchFamily="34" charset="0"/>
-                <a:ea typeface="Arial" panose="020B0604020202020204" pitchFamily="34" charset="0"/>
+                <a:latin typeface="Arial" pitchFamily="34" charset="0"/>
+                <a:ea typeface="Arial" pitchFamily="34" charset="0"/>
                 <a:sym typeface="+mn-ea"/>
               </a:rPr>
               <a:t> module tutorial</a:t>
@@ -9290,8 +9283,8 @@
                     <a:lumMod val="75000"/>
                   </a:schemeClr>
                 </a:solidFill>
-                <a:latin typeface="Arial" panose="020B0604020202020204" pitchFamily="34" charset="0"/>
-                <a:ea typeface="Arial" panose="020B0604020202020204" pitchFamily="34" charset="0"/>
+                <a:latin typeface="Arial" pitchFamily="34" charset="0"/>
+                <a:ea typeface="Arial" pitchFamily="34" charset="0"/>
               </a:rPr>
               <a:t>Combine blocks</a:t>
             </a:r>
@@ -9301,15 +9294,15 @@
                   <a:lumMod val="75000"/>
                 </a:schemeClr>
               </a:solidFill>
-              <a:latin typeface="Arial" panose="020B0604020202020204" pitchFamily="34" charset="0"/>
-              <a:ea typeface="Arial" panose="020B0604020202020204" pitchFamily="34" charset="0"/>
+              <a:latin typeface="Arial" pitchFamily="34" charset="0"/>
+              <a:ea typeface="Arial" pitchFamily="34" charset="0"/>
             </a:endParaRPr>
           </a:p>
         </p:txBody>
       </p:sp>
       <p:pic>
         <p:nvPicPr>
-          <p:cNvPr id="5" name="图片 4"/>
+          <p:cNvPr id="4" name="图片 3"/>
           <p:cNvPicPr>
             <a:picLocks noChangeAspect="1"/>
           </p:cNvPicPr>
@@ -9323,8 +9316,8 @@
         </p:blipFill>
         <p:spPr>
           <a:xfrm>
-            <a:off x="2743200" y="1300480"/>
-            <a:ext cx="6704965" cy="4257040"/>
+            <a:off x="3071495" y="1722755"/>
+            <a:ext cx="8323580" cy="3142615"/>
           </a:xfrm>
           <a:prstGeom prst="rect">
             <a:avLst/>
@@ -10694,8 +10687,8 @@
                 <a:solidFill>
                   <a:schemeClr val="bg1"/>
                 </a:solidFill>
-                <a:latin typeface="Arial" panose="020B0604020202020204" pitchFamily="34" charset="0"/>
-                <a:ea typeface="Arial" panose="020B0604020202020204" pitchFamily="34" charset="0"/>
+                <a:latin typeface="Arial" pitchFamily="34" charset="0"/>
+                <a:ea typeface="Arial" pitchFamily="34" charset="0"/>
               </a:rPr>
               <a:t>                </a:t>
             </a:r>
@@ -10704,8 +10697,8 @@
                 <a:solidFill>
                   <a:schemeClr val="bg1"/>
                 </a:solidFill>
-                <a:latin typeface="Arial" panose="020B0604020202020204" pitchFamily="34" charset="0"/>
-                <a:ea typeface="Arial" panose="020B0604020202020204" pitchFamily="34" charset="0"/>
+                <a:latin typeface="Arial" pitchFamily="34" charset="0"/>
+                <a:ea typeface="Arial" pitchFamily="34" charset="0"/>
               </a:rPr>
               <a:t>             </a:t>
             </a:r>
@@ -10714,8 +10707,8 @@
                 <a:solidFill>
                   <a:schemeClr val="bg1"/>
                 </a:solidFill>
-                <a:latin typeface="Arial" panose="020B0604020202020204" pitchFamily="34" charset="0"/>
-                <a:ea typeface="Arial" panose="020B0604020202020204" pitchFamily="34" charset="0"/>
+                <a:latin typeface="Arial" pitchFamily="34" charset="0"/>
+                <a:ea typeface="Arial" pitchFamily="34" charset="0"/>
               </a:rPr>
               <a:t>micro:bit</a:t>
             </a:r>
@@ -10724,8 +10717,8 @@
                 <a:solidFill>
                   <a:schemeClr val="bg1"/>
                 </a:solidFill>
-                <a:latin typeface="Arial" panose="020B0604020202020204" pitchFamily="34" charset="0"/>
-                <a:ea typeface="Arial" panose="020B0604020202020204" pitchFamily="34" charset="0"/>
+                <a:latin typeface="Arial" pitchFamily="34" charset="0"/>
+                <a:ea typeface="Arial" pitchFamily="34" charset="0"/>
               </a:rPr>
               <a:t> entry video tutorial</a:t>
             </a:r>
@@ -10734,21 +10727,21 @@
                 <a:solidFill>
                   <a:schemeClr val="bg1"/>
                 </a:solidFill>
-                <a:latin typeface="Arial" panose="020B0604020202020204" pitchFamily="34" charset="0"/>
-                <a:ea typeface="Arial" panose="020B0604020202020204" pitchFamily="34" charset="0"/>
+                <a:latin typeface="Arial" pitchFamily="34" charset="0"/>
+                <a:ea typeface="Arial" pitchFamily="34" charset="0"/>
               </a:rPr>
               <a:t> </a:t>
             </a:r>
             <a:r>
               <a:rPr lang="zh-CN" altLang="en-US" sz="2800" u="sng">
                 <a:latin typeface="icomoon" charset="0"/>
-                <a:ea typeface="Yu Gothic UI Semibold" panose="020B0700000000000000" charset="-128"/>
+                <a:ea typeface="Yu Gothic UI Semibold" charset="-128"/>
               </a:rPr>
               <a:t>                                </a:t>
             </a:r>
             <a:endParaRPr lang="zh-CN" altLang="en-US" sz="2800" u="sng">
               <a:latin typeface="icomoon" charset="0"/>
-              <a:ea typeface="Yu Gothic UI Semibold" panose="020B0700000000000000" charset="-128"/>
+              <a:ea typeface="Yu Gothic UI Semibold" charset="-128"/>
             </a:endParaRPr>
           </a:p>
         </p:txBody>
@@ -11148,8 +11141,8 @@
                 <a:solidFill>
                   <a:schemeClr val="bg1"/>
                 </a:solidFill>
-                <a:latin typeface="Arial" panose="020B0604020202020204" pitchFamily="34" charset="0"/>
-                <a:ea typeface="Arial" panose="020B0604020202020204" pitchFamily="34" charset="0"/>
+                <a:latin typeface="Arial" pitchFamily="34" charset="0"/>
+                <a:ea typeface="Arial" pitchFamily="34" charset="0"/>
                 <a:sym typeface="+mn-ea"/>
               </a:rPr>
               <a:t> </a:t>
@@ -11159,8 +11152,8 @@
                 <a:solidFill>
                   <a:schemeClr val="bg1"/>
                 </a:solidFill>
-                <a:latin typeface="Arial" panose="020B0604020202020204" pitchFamily="34" charset="0"/>
-                <a:ea typeface="Arial" panose="020B0604020202020204" pitchFamily="34" charset="0"/>
+                <a:latin typeface="Arial" pitchFamily="34" charset="0"/>
+                <a:ea typeface="Arial" pitchFamily="34" charset="0"/>
                 <a:sym typeface="+mn-ea"/>
               </a:rPr>
               <a:t>YahBoom     </a:t>
@@ -11170,8 +11163,8 @@
                 <a:solidFill>
                   <a:schemeClr val="bg1"/>
                 </a:solidFill>
-                <a:latin typeface="Arial" panose="020B0604020202020204" pitchFamily="34" charset="0"/>
-                <a:ea typeface="Arial" panose="020B0604020202020204" pitchFamily="34" charset="0"/>
+                <a:latin typeface="Arial" pitchFamily="34" charset="0"/>
+                <a:ea typeface="Arial" pitchFamily="34" charset="0"/>
                 <a:sym typeface="+mn-ea"/>
               </a:rPr>
               <a:t>micro:bit</a:t>
@@ -11181,8 +11174,8 @@
                 <a:solidFill>
                   <a:schemeClr val="bg1"/>
                 </a:solidFill>
-                <a:latin typeface="Arial" panose="020B0604020202020204" pitchFamily="34" charset="0"/>
-                <a:ea typeface="Arial" panose="020B0604020202020204" pitchFamily="34" charset="0"/>
+                <a:latin typeface="Arial" pitchFamily="34" charset="0"/>
+                <a:ea typeface="Arial" pitchFamily="34" charset="0"/>
                 <a:sym typeface="+mn-ea"/>
               </a:rPr>
               <a:t> </a:t>
@@ -11192,8 +11185,8 @@
                 <a:solidFill>
                   <a:schemeClr val="bg1"/>
                 </a:solidFill>
-                <a:latin typeface="Arial" panose="020B0604020202020204" pitchFamily="34" charset="0"/>
-                <a:ea typeface="Arial" panose="020B0604020202020204" pitchFamily="34" charset="0"/>
+                <a:latin typeface="Arial" pitchFamily="34" charset="0"/>
+                <a:ea typeface="Arial" pitchFamily="34" charset="0"/>
                 <a:sym typeface="+mn-ea"/>
               </a:rPr>
               <a:t>module</a:t>
@@ -11203,8 +11196,8 @@
                 <a:solidFill>
                   <a:schemeClr val="bg1"/>
                 </a:solidFill>
-                <a:latin typeface="Arial" panose="020B0604020202020204" pitchFamily="34" charset="0"/>
-                <a:ea typeface="Arial" panose="020B0604020202020204" pitchFamily="34" charset="0"/>
+                <a:latin typeface="Arial" pitchFamily="34" charset="0"/>
+                <a:ea typeface="Arial" pitchFamily="34" charset="0"/>
                 <a:sym typeface="+mn-ea"/>
               </a:rPr>
               <a:t> tutorial</a:t>
@@ -11266,8 +11259,8 @@
                     <a:lumMod val="75000"/>
                   </a:schemeClr>
                 </a:solidFill>
-                <a:latin typeface="Arial" panose="020B0604020202020204" pitchFamily="34" charset="0"/>
-                <a:ea typeface="Arial" panose="020B0604020202020204" pitchFamily="34" charset="0"/>
+                <a:latin typeface="Arial" pitchFamily="34" charset="0"/>
+                <a:ea typeface="Arial" pitchFamily="34" charset="0"/>
               </a:rPr>
               <a:t>Thanks for watching！</a:t>
             </a:r>
@@ -11277,8 +11270,8 @@
                   <a:lumMod val="75000"/>
                 </a:schemeClr>
               </a:solidFill>
-              <a:latin typeface="Arial" panose="020B0604020202020204" pitchFamily="34" charset="0"/>
-              <a:ea typeface="Arial" panose="020B0604020202020204" pitchFamily="34" charset="0"/>
+              <a:latin typeface="Arial" pitchFamily="34" charset="0"/>
+              <a:ea typeface="Arial" pitchFamily="34" charset="0"/>
             </a:endParaRPr>
           </a:p>
         </p:txBody>
@@ -11311,8 +11304,8 @@
                     <a:lumMod val="75000"/>
                   </a:schemeClr>
                 </a:solidFill>
-                <a:latin typeface="Arial" panose="020B0604020202020204" pitchFamily="34" charset="0"/>
-                <a:ea typeface="Arial" panose="020B0604020202020204" pitchFamily="34" charset="0"/>
+                <a:latin typeface="Arial" pitchFamily="34" charset="0"/>
+                <a:ea typeface="Arial" pitchFamily="34" charset="0"/>
               </a:rPr>
               <a:t>Powered by  </a:t>
             </a:r>
@@ -11323,8 +11316,8 @@
                     <a:lumMod val="75000"/>
                   </a:schemeClr>
                 </a:solidFill>
-                <a:latin typeface="Arial" panose="020B0604020202020204" pitchFamily="34" charset="0"/>
-                <a:ea typeface="Arial" panose="020B0604020202020204" pitchFamily="34" charset="0"/>
+                <a:latin typeface="Arial" pitchFamily="34" charset="0"/>
+                <a:ea typeface="Arial" pitchFamily="34" charset="0"/>
               </a:rPr>
               <a:t>YahBoom</a:t>
             </a:r>
@@ -11334,8 +11327,8 @@
                   <a:lumMod val="75000"/>
                 </a:schemeClr>
               </a:solidFill>
-              <a:latin typeface="Arial" panose="020B0604020202020204" pitchFamily="34" charset="0"/>
-              <a:ea typeface="Arial" panose="020B0604020202020204" pitchFamily="34" charset="0"/>
+              <a:latin typeface="Arial" pitchFamily="34" charset="0"/>
+              <a:ea typeface="Arial" pitchFamily="34" charset="0"/>
             </a:endParaRPr>
           </a:p>
         </p:txBody>
@@ -11369,8 +11362,8 @@
                     <a:lumMod val="75000"/>
                   </a:schemeClr>
                 </a:solidFill>
-                <a:latin typeface="Arial" panose="020B0604020202020204" pitchFamily="34" charset="0"/>
-                <a:ea typeface="Arial" panose="020B0604020202020204" pitchFamily="34" charset="0"/>
+                <a:latin typeface="Arial" pitchFamily="34" charset="0"/>
+                <a:ea typeface="Arial" pitchFamily="34" charset="0"/>
               </a:rPr>
               <a:t>micro:bit</a:t>
             </a:r>
@@ -11380,8 +11373,8 @@
                   <a:lumMod val="75000"/>
                 </a:schemeClr>
               </a:solidFill>
-              <a:latin typeface="Arial" panose="020B0604020202020204" pitchFamily="34" charset="0"/>
-              <a:ea typeface="Arial" panose="020B0604020202020204" pitchFamily="34" charset="0"/>
+              <a:latin typeface="Arial" pitchFamily="34" charset="0"/>
+              <a:ea typeface="Arial" pitchFamily="34" charset="0"/>
             </a:endParaRPr>
           </a:p>
           <a:p>
@@ -11393,8 +11386,8 @@
                     <a:lumMod val="75000"/>
                   </a:schemeClr>
                 </a:solidFill>
-                <a:latin typeface="Arial" panose="020B0604020202020204" pitchFamily="34" charset="0"/>
-                <a:ea typeface="Arial" panose="020B0604020202020204" pitchFamily="34" charset="0"/>
+                <a:latin typeface="Arial" pitchFamily="34" charset="0"/>
+                <a:ea typeface="Arial" pitchFamily="34" charset="0"/>
               </a:rPr>
               <a:t>project </a:t>
             </a:r>
@@ -11404,8 +11397,8 @@
                   <a:lumMod val="75000"/>
                 </a:schemeClr>
               </a:solidFill>
-              <a:latin typeface="Arial" panose="020B0604020202020204" pitchFamily="34" charset="0"/>
-              <a:ea typeface="Arial" panose="020B0604020202020204" pitchFamily="34" charset="0"/>
+              <a:latin typeface="Arial" pitchFamily="34" charset="0"/>
+              <a:ea typeface="Arial" pitchFamily="34" charset="0"/>
             </a:endParaRPr>
           </a:p>
         </p:txBody>
@@ -12913,14 +12906,14 @@
             <a:p>
               <a:r>
                 <a:rPr lang="en-US" altLang="zh-CN" dirty="0" smtClean="0">
-                  <a:latin typeface="Arial" panose="020B0604020202020204" pitchFamily="34" charset="0"/>
-                  <a:ea typeface="Arial" panose="020B0604020202020204" pitchFamily="34" charset="0"/>
+                  <a:latin typeface="Arial" pitchFamily="34" charset="0"/>
+                  <a:ea typeface="Arial" pitchFamily="34" charset="0"/>
                 </a:rPr>
                 <a:t>Part1</a:t>
               </a:r>
               <a:endParaRPr lang="en-US" altLang="zh-CN" dirty="0" smtClean="0">
-                <a:latin typeface="Arial" panose="020B0604020202020204" pitchFamily="34" charset="0"/>
-                <a:ea typeface="Arial" panose="020B0604020202020204" pitchFamily="34" charset="0"/>
+                <a:latin typeface="Arial" pitchFamily="34" charset="0"/>
+                <a:ea typeface="Arial" pitchFamily="34" charset="0"/>
               </a:endParaRPr>
             </a:p>
           </p:txBody>
@@ -12953,8 +12946,8 @@
                   <a:solidFill>
                     <a:srgbClr val="0070C0"/>
                   </a:solidFill>
-                  <a:latin typeface="Arial" panose="020B0604020202020204" pitchFamily="34" charset="0"/>
-                  <a:ea typeface="Arial" panose="020B0604020202020204" pitchFamily="34" charset="0"/>
+                  <a:latin typeface="Arial" pitchFamily="34" charset="0"/>
+                  <a:ea typeface="Arial" pitchFamily="34" charset="0"/>
                   <a:sym typeface="+mn-ea"/>
                   <a:hlinkClick r:id="rId2" action="ppaction://hlinksldjump"/>
                 </a:rPr>
@@ -12966,8 +12959,8 @@
                     <a:lumMod val="75000"/>
                   </a:schemeClr>
                 </a:solidFill>
-                <a:latin typeface="Arial" panose="020B0604020202020204" pitchFamily="34" charset="0"/>
-                <a:ea typeface="Arial" panose="020B0604020202020204" pitchFamily="34" charset="0"/>
+                <a:latin typeface="Arial" pitchFamily="34" charset="0"/>
+                <a:ea typeface="Arial" pitchFamily="34" charset="0"/>
               </a:endParaRPr>
             </a:p>
           </p:txBody>
@@ -13001,14 +12994,14 @@
             <a:p>
               <a:r>
                 <a:rPr lang="en-US" altLang="zh-CN" dirty="0" smtClean="0">
-                  <a:latin typeface="Arial" panose="020B0604020202020204" pitchFamily="34" charset="0"/>
-                  <a:ea typeface="Arial" panose="020B0604020202020204" pitchFamily="34" charset="0"/>
+                  <a:latin typeface="Arial" pitchFamily="34" charset="0"/>
+                  <a:ea typeface="Arial" pitchFamily="34" charset="0"/>
                 </a:rPr>
                 <a:t>Part 2</a:t>
               </a:r>
               <a:endParaRPr lang="zh-CN" altLang="en-US" dirty="0">
-                <a:latin typeface="Arial" panose="020B0604020202020204" pitchFamily="34" charset="0"/>
-                <a:ea typeface="Arial" panose="020B0604020202020204" pitchFamily="34" charset="0"/>
+                <a:latin typeface="Arial" pitchFamily="34" charset="0"/>
+                <a:ea typeface="Arial" pitchFamily="34" charset="0"/>
               </a:endParaRPr>
             </a:p>
           </p:txBody>
@@ -13043,8 +13036,8 @@
                       <a:lumMod val="75000"/>
                     </a:schemeClr>
                   </a:solidFill>
-                  <a:latin typeface="Arial" panose="020B0604020202020204" pitchFamily="34" charset="0"/>
-                  <a:ea typeface="Arial" panose="020B0604020202020204" pitchFamily="34" charset="0"/>
+                  <a:latin typeface="Arial" pitchFamily="34" charset="0"/>
+                  <a:ea typeface="Arial" pitchFamily="34" charset="0"/>
                   <a:sym typeface="+mn-ea"/>
                   <a:hlinkClick r:id="rId2" action="ppaction://hlinksldjump"/>
                 </a:rPr>
@@ -13056,8 +13049,8 @@
                     <a:lumMod val="75000"/>
                   </a:schemeClr>
                 </a:solidFill>
-                <a:latin typeface="Arial" panose="020B0604020202020204" pitchFamily="34" charset="0"/>
-                <a:ea typeface="Arial" panose="020B0604020202020204" pitchFamily="34" charset="0"/>
+                <a:latin typeface="Arial" pitchFamily="34" charset="0"/>
+                <a:ea typeface="Arial" pitchFamily="34" charset="0"/>
                 <a:sym typeface="+mn-ea"/>
               </a:endParaRPr>
             </a:p>
@@ -13092,14 +13085,14 @@
             <a:p>
               <a:r>
                 <a:rPr lang="en-US" altLang="zh-CN" dirty="0" smtClean="0">
-                  <a:latin typeface="Arial" panose="020B0604020202020204" pitchFamily="34" charset="0"/>
-                  <a:ea typeface="Arial" panose="020B0604020202020204" pitchFamily="34" charset="0"/>
+                  <a:latin typeface="Arial" pitchFamily="34" charset="0"/>
+                  <a:ea typeface="Arial" pitchFamily="34" charset="0"/>
                 </a:rPr>
                 <a:t>Part3</a:t>
               </a:r>
               <a:endParaRPr lang="zh-CN" altLang="en-US" dirty="0">
-                <a:latin typeface="Arial" panose="020B0604020202020204" pitchFamily="34" charset="0"/>
-                <a:ea typeface="Arial" panose="020B0604020202020204" pitchFamily="34" charset="0"/>
+                <a:latin typeface="Arial" pitchFamily="34" charset="0"/>
+                <a:ea typeface="Arial" pitchFamily="34" charset="0"/>
               </a:endParaRPr>
             </a:p>
           </p:txBody>
@@ -13133,8 +13126,8 @@
                       <a:lumMod val="75000"/>
                     </a:schemeClr>
                   </a:solidFill>
-                  <a:latin typeface="Arial" panose="020B0604020202020204" pitchFamily="34" charset="0"/>
-                  <a:ea typeface="Arial" panose="020B0604020202020204" pitchFamily="34" charset="0"/>
+                  <a:latin typeface="Arial" pitchFamily="34" charset="0"/>
+                  <a:ea typeface="Arial" pitchFamily="34" charset="0"/>
                   <a:hlinkClick r:id="rId2" action="ppaction://hlinksldjump"/>
                 </a:rPr>
                 <a:t>Connection</a:t>
@@ -13145,8 +13138,8 @@
                     <a:lumMod val="75000"/>
                   </a:schemeClr>
                 </a:solidFill>
-                <a:latin typeface="Arial" panose="020B0604020202020204" pitchFamily="34" charset="0"/>
-                <a:ea typeface="Arial" panose="020B0604020202020204" pitchFamily="34" charset="0"/>
+                <a:latin typeface="Arial" pitchFamily="34" charset="0"/>
+                <a:ea typeface="Arial" pitchFamily="34" charset="0"/>
                 <a:hlinkClick r:id="rId2" action="ppaction://hlinksldjump"/>
               </a:endParaRPr>
             </a:p>
@@ -13181,14 +13174,14 @@
             <a:p>
               <a:r>
                 <a:rPr lang="en-US" altLang="zh-CN" dirty="0" smtClean="0">
-                  <a:latin typeface="Arial" panose="020B0604020202020204" pitchFamily="34" charset="0"/>
-                  <a:ea typeface="Arial" panose="020B0604020202020204" pitchFamily="34" charset="0"/>
+                  <a:latin typeface="Arial" pitchFamily="34" charset="0"/>
+                  <a:ea typeface="Arial" pitchFamily="34" charset="0"/>
                 </a:rPr>
                 <a:t>Part 4</a:t>
               </a:r>
               <a:endParaRPr lang="zh-CN" altLang="en-US" dirty="0">
-                <a:latin typeface="Arial" panose="020B0604020202020204" pitchFamily="34" charset="0"/>
-                <a:ea typeface="Arial" panose="020B0604020202020204" pitchFamily="34" charset="0"/>
+                <a:latin typeface="Arial" pitchFamily="34" charset="0"/>
+                <a:ea typeface="Arial" pitchFamily="34" charset="0"/>
               </a:endParaRPr>
             </a:p>
           </p:txBody>
@@ -13223,8 +13216,8 @@
                       <a:lumMod val="75000"/>
                     </a:schemeClr>
                   </a:solidFill>
-                  <a:latin typeface="Arial" panose="020B0604020202020204" pitchFamily="34" charset="0"/>
-                  <a:ea typeface="Arial" panose="020B0604020202020204" pitchFamily="34" charset="0"/>
+                  <a:latin typeface="Arial" pitchFamily="34" charset="0"/>
+                  <a:ea typeface="Arial" pitchFamily="34" charset="0"/>
                   <a:sym typeface="+mn-ea"/>
                   <a:hlinkClick r:id="rId2" action="ppaction://hlinksldjump"/>
                 </a:rPr>
@@ -13236,8 +13229,8 @@
                     <a:lumMod val="75000"/>
                   </a:schemeClr>
                 </a:solidFill>
-                <a:latin typeface="Arial" panose="020B0604020202020204" pitchFamily="34" charset="0"/>
-                <a:ea typeface="Arial" panose="020B0604020202020204" pitchFamily="34" charset="0"/>
+                <a:latin typeface="Arial" pitchFamily="34" charset="0"/>
+                <a:ea typeface="Arial" pitchFamily="34" charset="0"/>
               </a:endParaRPr>
             </a:p>
           </p:txBody>
@@ -13273,8 +13266,8 @@
                     <a:lumMod val="75000"/>
                   </a:schemeClr>
                 </a:solidFill>
-                <a:latin typeface="Arial" panose="020B0604020202020204" pitchFamily="34" charset="0"/>
-                <a:ea typeface="Arial" panose="020B0604020202020204" pitchFamily="34" charset="0"/>
+                <a:latin typeface="Arial" pitchFamily="34" charset="0"/>
+                <a:ea typeface="Arial" pitchFamily="34" charset="0"/>
                 <a:sym typeface="+mn-ea"/>
               </a:rPr>
               <a:t>C</a:t>
@@ -13286,8 +13279,8 @@
                     <a:lumMod val="75000"/>
                   </a:schemeClr>
                 </a:solidFill>
-                <a:latin typeface="Arial" panose="020B0604020202020204" pitchFamily="34" charset="0"/>
-                <a:ea typeface="Arial" panose="020B0604020202020204" pitchFamily="34" charset="0"/>
+                <a:latin typeface="Arial" pitchFamily="34" charset="0"/>
+                <a:ea typeface="Arial" pitchFamily="34" charset="0"/>
                 <a:sym typeface="+mn-ea"/>
               </a:rPr>
               <a:t>ontent</a:t>
@@ -13298,8 +13291,8 @@
                   <a:lumMod val="75000"/>
                 </a:schemeClr>
               </a:solidFill>
-              <a:latin typeface="Arial" panose="020B0604020202020204" pitchFamily="34" charset="0"/>
-              <a:ea typeface="Arial" panose="020B0604020202020204" pitchFamily="34" charset="0"/>
+              <a:latin typeface="Arial" pitchFamily="34" charset="0"/>
+              <a:ea typeface="Arial" pitchFamily="34" charset="0"/>
             </a:endParaRPr>
           </a:p>
         </p:txBody>
@@ -13330,8 +13323,8 @@
                 <a:solidFill>
                   <a:schemeClr val="bg1"/>
                 </a:solidFill>
-                <a:latin typeface="Arial" panose="020B0604020202020204" pitchFamily="34" charset="0"/>
-                <a:ea typeface="Arial" panose="020B0604020202020204" pitchFamily="34" charset="0"/>
+                <a:latin typeface="Arial" pitchFamily="34" charset="0"/>
+                <a:ea typeface="Arial" pitchFamily="34" charset="0"/>
               </a:rPr>
               <a:t>      </a:t>
             </a:r>
@@ -13340,8 +13333,8 @@
                 <a:solidFill>
                   <a:schemeClr val="bg1"/>
                 </a:solidFill>
-                <a:latin typeface="Arial" panose="020B0604020202020204" pitchFamily="34" charset="0"/>
-                <a:ea typeface="Arial" panose="020B0604020202020204" pitchFamily="34" charset="0"/>
+                <a:latin typeface="Arial" pitchFamily="34" charset="0"/>
+                <a:ea typeface="Arial" pitchFamily="34" charset="0"/>
               </a:rPr>
               <a:t>                    </a:t>
             </a:r>
@@ -13350,8 +13343,8 @@
                 <a:solidFill>
                   <a:schemeClr val="bg1"/>
                 </a:solidFill>
-                <a:latin typeface="Arial" panose="020B0604020202020204" pitchFamily="34" charset="0"/>
-                <a:ea typeface="Arial" panose="020B0604020202020204" pitchFamily="34" charset="0"/>
+                <a:latin typeface="Arial" pitchFamily="34" charset="0"/>
+                <a:ea typeface="Arial" pitchFamily="34" charset="0"/>
               </a:rPr>
               <a:t>micro:bit</a:t>
             </a:r>
@@ -13360,8 +13353,8 @@
                 <a:solidFill>
                   <a:schemeClr val="bg1"/>
                 </a:solidFill>
-                <a:latin typeface="Arial" panose="020B0604020202020204" pitchFamily="34" charset="0"/>
-                <a:ea typeface="Arial" panose="020B0604020202020204" pitchFamily="34" charset="0"/>
+                <a:latin typeface="Arial" pitchFamily="34" charset="0"/>
+                <a:ea typeface="Arial" pitchFamily="34" charset="0"/>
               </a:rPr>
               <a:t> entry video tutorial</a:t>
             </a:r>
@@ -13370,21 +13363,21 @@
                 <a:solidFill>
                   <a:schemeClr val="bg1"/>
                 </a:solidFill>
-                <a:latin typeface="Arial" panose="020B0604020202020204" pitchFamily="34" charset="0"/>
-                <a:ea typeface="Arial" panose="020B0604020202020204" pitchFamily="34" charset="0"/>
+                <a:latin typeface="Arial" pitchFamily="34" charset="0"/>
+                <a:ea typeface="Arial" pitchFamily="34" charset="0"/>
               </a:rPr>
               <a:t> </a:t>
             </a:r>
             <a:r>
               <a:rPr lang="zh-CN" altLang="en-US" sz="2800" u="sng">
                 <a:latin typeface="icomoon" charset="0"/>
-                <a:ea typeface="Yu Gothic UI Semibold" panose="020B0700000000000000" charset="-128"/>
+                <a:ea typeface="Yu Gothic UI Semibold" charset="-128"/>
               </a:rPr>
               <a:t>                                </a:t>
             </a:r>
             <a:endParaRPr lang="zh-CN" altLang="en-US" sz="2800" u="sng">
               <a:latin typeface="icomoon" charset="0"/>
-              <a:ea typeface="Yu Gothic UI Semibold" panose="020B0700000000000000" charset="-128"/>
+              <a:ea typeface="Yu Gothic UI Semibold" charset="-128"/>
             </a:endParaRPr>
           </a:p>
         </p:txBody>
@@ -13784,8 +13777,8 @@
                 <a:solidFill>
                   <a:schemeClr val="bg1"/>
                 </a:solidFill>
-                <a:latin typeface="Arial" panose="020B0604020202020204" pitchFamily="34" charset="0"/>
-                <a:ea typeface="Arial" panose="020B0604020202020204" pitchFamily="34" charset="0"/>
+                <a:latin typeface="Arial" pitchFamily="34" charset="0"/>
+                <a:ea typeface="Arial" pitchFamily="34" charset="0"/>
                 <a:sym typeface="+mn-ea"/>
               </a:rPr>
               <a:t> </a:t>
@@ -13795,8 +13788,8 @@
                 <a:solidFill>
                   <a:schemeClr val="bg1"/>
                 </a:solidFill>
-                <a:latin typeface="Arial" panose="020B0604020202020204" pitchFamily="34" charset="0"/>
-                <a:ea typeface="Arial" panose="020B0604020202020204" pitchFamily="34" charset="0"/>
+                <a:latin typeface="Arial" pitchFamily="34" charset="0"/>
+                <a:ea typeface="Arial" pitchFamily="34" charset="0"/>
                 <a:sym typeface="+mn-ea"/>
               </a:rPr>
               <a:t>YahBoom     </a:t>
@@ -13806,8 +13799,8 @@
                 <a:solidFill>
                   <a:schemeClr val="bg1"/>
                 </a:solidFill>
-                <a:latin typeface="Arial" panose="020B0604020202020204" pitchFamily="34" charset="0"/>
-                <a:ea typeface="Arial" panose="020B0604020202020204" pitchFamily="34" charset="0"/>
+                <a:latin typeface="Arial" pitchFamily="34" charset="0"/>
+                <a:ea typeface="Arial" pitchFamily="34" charset="0"/>
                 <a:sym typeface="+mn-ea"/>
               </a:rPr>
               <a:t>micro:bit</a:t>
@@ -13817,8 +13810,8 @@
                 <a:solidFill>
                   <a:schemeClr val="bg1"/>
                 </a:solidFill>
-                <a:latin typeface="Arial" panose="020B0604020202020204" pitchFamily="34" charset="0"/>
-                <a:ea typeface="Arial" panose="020B0604020202020204" pitchFamily="34" charset="0"/>
+                <a:latin typeface="Arial" pitchFamily="34" charset="0"/>
+                <a:ea typeface="Arial" pitchFamily="34" charset="0"/>
                 <a:sym typeface="+mn-ea"/>
               </a:rPr>
               <a:t> </a:t>
@@ -13828,8 +13821,8 @@
                 <a:solidFill>
                   <a:schemeClr val="bg1"/>
                 </a:solidFill>
-                <a:latin typeface="Arial" panose="020B0604020202020204" pitchFamily="34" charset="0"/>
-                <a:ea typeface="Arial" panose="020B0604020202020204" pitchFamily="34" charset="0"/>
+                <a:latin typeface="Arial" pitchFamily="34" charset="0"/>
+                <a:ea typeface="Arial" pitchFamily="34" charset="0"/>
                 <a:sym typeface="+mn-ea"/>
               </a:rPr>
               <a:t>module</a:t>
@@ -13839,8 +13832,8 @@
                 <a:solidFill>
                   <a:schemeClr val="bg1"/>
                 </a:solidFill>
-                <a:latin typeface="Arial" panose="020B0604020202020204" pitchFamily="34" charset="0"/>
-                <a:ea typeface="Arial" panose="020B0604020202020204" pitchFamily="34" charset="0"/>
+                <a:latin typeface="Arial" pitchFamily="34" charset="0"/>
+                <a:ea typeface="Arial" pitchFamily="34" charset="0"/>
                 <a:sym typeface="+mn-ea"/>
               </a:rPr>
               <a:t> tutorial</a:t>
@@ -13877,14 +13870,14 @@
           <a:p>
             <a:r>
               <a:rPr lang="en-US" altLang="zh-CN" dirty="0" smtClean="0">
-                <a:latin typeface="Arial" panose="020B0604020202020204" pitchFamily="34" charset="0"/>
-                <a:ea typeface="Arial" panose="020B0604020202020204" pitchFamily="34" charset="0"/>
+                <a:latin typeface="Arial" pitchFamily="34" charset="0"/>
+                <a:ea typeface="Arial" pitchFamily="34" charset="0"/>
               </a:rPr>
               <a:t>Part 5</a:t>
             </a:r>
             <a:endParaRPr lang="zh-CN" altLang="en-US" dirty="0">
-              <a:latin typeface="Arial" panose="020B0604020202020204" pitchFamily="34" charset="0"/>
-              <a:ea typeface="Arial" panose="020B0604020202020204" pitchFamily="34" charset="0"/>
+              <a:latin typeface="Arial" pitchFamily="34" charset="0"/>
+              <a:ea typeface="Arial" pitchFamily="34" charset="0"/>
             </a:endParaRPr>
           </a:p>
         </p:txBody>
@@ -13920,8 +13913,8 @@
                     <a:lumMod val="75000"/>
                   </a:schemeClr>
                 </a:solidFill>
-                <a:latin typeface="Arial" panose="020B0604020202020204" pitchFamily="34" charset="0"/>
-                <a:ea typeface="Arial" panose="020B0604020202020204" pitchFamily="34" charset="0"/>
+                <a:latin typeface="Arial" pitchFamily="34" charset="0"/>
+                <a:ea typeface="Arial" pitchFamily="34" charset="0"/>
                 <a:sym typeface="+mn-ea"/>
                 <a:hlinkClick r:id="rId2" action="ppaction://hlinksldjump"/>
               </a:rPr>
@@ -13934,8 +13927,8 @@
                     <a:lumMod val="75000"/>
                   </a:schemeClr>
                 </a:solidFill>
-                <a:latin typeface="Arial" panose="020B0604020202020204" pitchFamily="34" charset="0"/>
-                <a:ea typeface="Arial" panose="020B0604020202020204" pitchFamily="34" charset="0"/>
+                <a:latin typeface="Arial" pitchFamily="34" charset="0"/>
+                <a:ea typeface="Arial" pitchFamily="34" charset="0"/>
                 <a:sym typeface="+mn-ea"/>
                 <a:hlinkClick r:id="rId2" action="ppaction://hlinksldjump"/>
               </a:rPr>
@@ -13948,8 +13941,8 @@
                     <a:lumMod val="75000"/>
                   </a:schemeClr>
                 </a:solidFill>
-                <a:latin typeface="Arial" panose="020B0604020202020204" pitchFamily="34" charset="0"/>
-                <a:ea typeface="Arial" panose="020B0604020202020204" pitchFamily="34" charset="0"/>
+                <a:latin typeface="Arial" pitchFamily="34" charset="0"/>
+                <a:ea typeface="Arial" pitchFamily="34" charset="0"/>
                 <a:sym typeface="+mn-ea"/>
                 <a:hlinkClick r:id="rId2" action="ppaction://hlinksldjump"/>
               </a:rPr>
@@ -13961,8 +13954,8 @@
                   <a:lumMod val="75000"/>
                 </a:schemeClr>
               </a:solidFill>
-              <a:latin typeface="Arial" panose="020B0604020202020204" pitchFamily="34" charset="0"/>
-              <a:ea typeface="Arial" panose="020B0604020202020204" pitchFamily="34" charset="0"/>
+              <a:latin typeface="Arial" pitchFamily="34" charset="0"/>
+              <a:ea typeface="Arial" pitchFamily="34" charset="0"/>
             </a:endParaRPr>
           </a:p>
         </p:txBody>
@@ -14290,8 +14283,8 @@
                     <a:lumMod val="75000"/>
                   </a:schemeClr>
                 </a:solidFill>
-                <a:latin typeface="Arial" panose="020B0604020202020204" pitchFamily="34" charset="0"/>
-                <a:ea typeface="Arial" panose="020B0604020202020204" pitchFamily="34" charset="0"/>
+                <a:latin typeface="Arial" pitchFamily="34" charset="0"/>
+                <a:ea typeface="Arial" pitchFamily="34" charset="0"/>
               </a:rPr>
               <a:t>Part 1</a:t>
             </a:r>
@@ -14301,8 +14294,8 @@
                   <a:lumMod val="75000"/>
                 </a:schemeClr>
               </a:solidFill>
-              <a:latin typeface="Arial" panose="020B0604020202020204" pitchFamily="34" charset="0"/>
-              <a:ea typeface="Arial" panose="020B0604020202020204" pitchFamily="34" charset="0"/>
+              <a:latin typeface="Arial" pitchFamily="34" charset="0"/>
+              <a:ea typeface="Arial" pitchFamily="34" charset="0"/>
             </a:endParaRPr>
           </a:p>
         </p:txBody>
@@ -14333,8 +14326,8 @@
                 <a:solidFill>
                   <a:schemeClr val="bg1"/>
                 </a:solidFill>
-                <a:latin typeface="Arial" panose="020B0604020202020204" pitchFamily="34" charset="0"/>
-                <a:ea typeface="Arial" panose="020B0604020202020204" pitchFamily="34" charset="0"/>
+                <a:latin typeface="Arial" pitchFamily="34" charset="0"/>
+                <a:ea typeface="Arial" pitchFamily="34" charset="0"/>
               </a:rPr>
               <a:t>                   </a:t>
             </a:r>
@@ -14343,8 +14336,8 @@
                 <a:solidFill>
                   <a:schemeClr val="bg1"/>
                 </a:solidFill>
-                <a:latin typeface="Arial" panose="020B0604020202020204" pitchFamily="34" charset="0"/>
-                <a:ea typeface="Arial" panose="020B0604020202020204" pitchFamily="34" charset="0"/>
+                <a:latin typeface="Arial" pitchFamily="34" charset="0"/>
+                <a:ea typeface="Arial" pitchFamily="34" charset="0"/>
               </a:rPr>
               <a:t>           </a:t>
             </a:r>
@@ -14353,8 +14346,8 @@
                 <a:solidFill>
                   <a:schemeClr val="bg1"/>
                 </a:solidFill>
-                <a:latin typeface="Arial" panose="020B0604020202020204" pitchFamily="34" charset="0"/>
-                <a:ea typeface="Arial" panose="020B0604020202020204" pitchFamily="34" charset="0"/>
+                <a:latin typeface="Arial" pitchFamily="34" charset="0"/>
+                <a:ea typeface="Arial" pitchFamily="34" charset="0"/>
               </a:rPr>
               <a:t>micro:bit</a:t>
             </a:r>
@@ -14363,8 +14356,8 @@
                 <a:solidFill>
                   <a:schemeClr val="bg1"/>
                 </a:solidFill>
-                <a:latin typeface="Arial" panose="020B0604020202020204" pitchFamily="34" charset="0"/>
-                <a:ea typeface="Arial" panose="020B0604020202020204" pitchFamily="34" charset="0"/>
+                <a:latin typeface="Arial" pitchFamily="34" charset="0"/>
+                <a:ea typeface="Arial" pitchFamily="34" charset="0"/>
               </a:rPr>
               <a:t> entry video tutorial</a:t>
             </a:r>
@@ -14373,21 +14366,21 @@
                 <a:solidFill>
                   <a:schemeClr val="bg1"/>
                 </a:solidFill>
-                <a:latin typeface="Arial" panose="020B0604020202020204" pitchFamily="34" charset="0"/>
-                <a:ea typeface="Arial" panose="020B0604020202020204" pitchFamily="34" charset="0"/>
+                <a:latin typeface="Arial" pitchFamily="34" charset="0"/>
+                <a:ea typeface="Arial" pitchFamily="34" charset="0"/>
               </a:rPr>
               <a:t> </a:t>
             </a:r>
             <a:r>
               <a:rPr lang="zh-CN" altLang="en-US" sz="2800" u="sng">
                 <a:latin typeface="icomoon" charset="0"/>
-                <a:ea typeface="Yu Gothic UI Semibold" panose="020B0700000000000000" charset="-128"/>
+                <a:ea typeface="Yu Gothic UI Semibold" charset="-128"/>
               </a:rPr>
               <a:t>                                </a:t>
             </a:r>
             <a:endParaRPr lang="zh-CN" altLang="en-US" sz="2800" u="sng">
               <a:latin typeface="icomoon" charset="0"/>
-              <a:ea typeface="Yu Gothic UI Semibold" panose="020B0700000000000000" charset="-128"/>
+              <a:ea typeface="Yu Gothic UI Semibold" charset="-128"/>
             </a:endParaRPr>
           </a:p>
         </p:txBody>
@@ -14787,8 +14780,8 @@
                 <a:solidFill>
                   <a:schemeClr val="bg1"/>
                 </a:solidFill>
-                <a:latin typeface="Arial" panose="020B0604020202020204" pitchFamily="34" charset="0"/>
-                <a:ea typeface="Arial" panose="020B0604020202020204" pitchFamily="34" charset="0"/>
+                <a:latin typeface="Arial" pitchFamily="34" charset="0"/>
+                <a:ea typeface="Arial" pitchFamily="34" charset="0"/>
                 <a:sym typeface="+mn-ea"/>
               </a:rPr>
               <a:t> </a:t>
@@ -14798,8 +14791,8 @@
                 <a:solidFill>
                   <a:schemeClr val="bg1"/>
                 </a:solidFill>
-                <a:latin typeface="Arial" panose="020B0604020202020204" pitchFamily="34" charset="0"/>
-                <a:ea typeface="Arial" panose="020B0604020202020204" pitchFamily="34" charset="0"/>
+                <a:latin typeface="Arial" pitchFamily="34" charset="0"/>
+                <a:ea typeface="Arial" pitchFamily="34" charset="0"/>
                 <a:sym typeface="+mn-ea"/>
               </a:rPr>
               <a:t>YahBoom     </a:t>
@@ -14809,8 +14802,8 @@
                 <a:solidFill>
                   <a:schemeClr val="bg1"/>
                 </a:solidFill>
-                <a:latin typeface="Arial" panose="020B0604020202020204" pitchFamily="34" charset="0"/>
-                <a:ea typeface="Arial" panose="020B0604020202020204" pitchFamily="34" charset="0"/>
+                <a:latin typeface="Arial" pitchFamily="34" charset="0"/>
+                <a:ea typeface="Arial" pitchFamily="34" charset="0"/>
                 <a:sym typeface="+mn-ea"/>
               </a:rPr>
               <a:t>micro:bit</a:t>
@@ -14820,8 +14813,8 @@
                 <a:solidFill>
                   <a:schemeClr val="bg1"/>
                 </a:solidFill>
-                <a:latin typeface="Arial" panose="020B0604020202020204" pitchFamily="34" charset="0"/>
-                <a:ea typeface="Arial" panose="020B0604020202020204" pitchFamily="34" charset="0"/>
+                <a:latin typeface="Arial" pitchFamily="34" charset="0"/>
+                <a:ea typeface="Arial" pitchFamily="34" charset="0"/>
                 <a:sym typeface="+mn-ea"/>
               </a:rPr>
               <a:t> module tutorial</a:t>
@@ -14839,7 +14832,7 @@
         <p:spPr>
           <a:xfrm>
             <a:off x="3175000" y="4391660"/>
-            <a:ext cx="7473315" cy="1476375"/>
+            <a:ext cx="7473315" cy="1477645"/>
           </a:xfrm>
           <a:prstGeom prst="rect">
             <a:avLst/>
@@ -14863,8 +14856,8 @@
                     </a:srgbClr>
                   </a:outerShdw>
                 </a:effectLst>
-                <a:latin typeface="微软雅黑 Light" panose="020B0502040204020203" charset="-122"/>
-                <a:ea typeface="微软雅黑 Light" panose="020B0502040204020203" charset="-122"/>
+                <a:latin typeface="微软雅黑 Light" charset="-122"/>
+                <a:ea typeface="微软雅黑 Light" charset="-122"/>
               </a:rPr>
               <a:t>      </a:t>
             </a:r>
@@ -14877,10 +14870,10 @@
                     </a:srgbClr>
                   </a:outerShdw>
                 </a:effectLst>
-                <a:latin typeface="Arial" panose="020B0604020202020204" pitchFamily="34" charset="0"/>
-                <a:ea typeface="Arial" panose="020B0604020202020204" pitchFamily="34" charset="0"/>
+                <a:latin typeface="Arial" pitchFamily="34" charset="0"/>
+                <a:ea typeface="Arial" pitchFamily="34" charset="0"/>
               </a:rPr>
-              <a:t>The children can use a fan and its drive board and a micro:bit to make a small fan. When the A key is pressed, the fan turns, and the fan icon is on the dot matrix; when the B key is pressed, the fan stops turning, and the dot matrix is still showing a love. Children, this class must have adults around. </a:t>
+              <a:t>The children can use a fan and its drive board and a micro:bit to make a small fan. When the A key is pressed, the fan turns, and the </a:t>
             </a:r>
             <a:r>
               <a:rPr lang="en-US">
@@ -14891,10 +14884,10 @@
                     </a:srgbClr>
                   </a:outerShdw>
                 </a:effectLst>
-                <a:latin typeface="Arial" panose="020B0604020202020204" pitchFamily="34" charset="0"/>
-                <a:ea typeface="Arial" panose="020B0604020202020204" pitchFamily="34" charset="0"/>
+                <a:latin typeface="Arial" pitchFamily="34" charset="0"/>
+                <a:ea typeface="Arial" pitchFamily="34" charset="0"/>
               </a:rPr>
-              <a:t>W</a:t>
+              <a:t>heart </a:t>
             </a:r>
             <a:r>
               <a:rPr>
@@ -14905,8 +14898,64 @@
                     </a:srgbClr>
                   </a:outerShdw>
                 </a:effectLst>
-                <a:latin typeface="Arial" panose="020B0604020202020204" pitchFamily="34" charset="0"/>
-                <a:ea typeface="Arial" panose="020B0604020202020204" pitchFamily="34" charset="0"/>
+                <a:latin typeface="Arial" pitchFamily="34" charset="0"/>
+                <a:ea typeface="Arial" pitchFamily="34" charset="0"/>
+              </a:rPr>
+              <a:t>icon is on the dot matrix; when the B key is pressed, the fan stops turning, and the dot matrix is still showing a </a:t>
+            </a:r>
+            <a:r>
+              <a:rPr lang="en-US">
+                <a:effectLst>
+                  <a:outerShdw blurRad="38100" dist="25400" dir="5400000" algn="ctr" rotWithShape="0">
+                    <a:srgbClr val="6E747A">
+                      <a:alpha val="43000"/>
+                    </a:srgbClr>
+                  </a:outerShdw>
+                </a:effectLst>
+                <a:latin typeface="Arial" pitchFamily="34" charset="0"/>
+                <a:ea typeface="Arial" pitchFamily="34" charset="0"/>
+              </a:rPr>
+              <a:t>smile pattern</a:t>
+            </a:r>
+            <a:r>
+              <a:rPr>
+                <a:effectLst>
+                  <a:outerShdw blurRad="38100" dist="25400" dir="5400000" algn="ctr" rotWithShape="0">
+                    <a:srgbClr val="6E747A">
+                      <a:alpha val="43000"/>
+                    </a:srgbClr>
+                  </a:outerShdw>
+                </a:effectLst>
+                <a:latin typeface="Arial" pitchFamily="34" charset="0"/>
+                <a:ea typeface="Arial" pitchFamily="34" charset="0"/>
+              </a:rPr>
+              <a:t>. Children, this class must have adults around. </a:t>
+            </a:r>
+            <a:r>
+              <a:rPr lang="en-US">
+                <a:effectLst>
+                  <a:outerShdw blurRad="38100" dist="25400" dir="5400000" algn="ctr" rotWithShape="0">
+                    <a:srgbClr val="6E747A">
+                      <a:alpha val="43000"/>
+                    </a:srgbClr>
+                  </a:outerShdw>
+                </a:effectLst>
+                <a:latin typeface="Arial" pitchFamily="34" charset="0"/>
+                <a:ea typeface="Arial" pitchFamily="34" charset="0"/>
+              </a:rPr>
+              <a:t>W</a:t>
+            </a:r>
+            <a:r>
+              <a:rPr>
+                <a:effectLst>
+                  <a:outerShdw blurRad="38100" dist="25400" dir="5400000" algn="ctr" rotWithShape="0">
+                    <a:srgbClr val="6E747A">
+                      <a:alpha val="43000"/>
+                    </a:srgbClr>
+                  </a:outerShdw>
+                </a:effectLst>
+                <a:latin typeface="Arial" pitchFamily="34" charset="0"/>
+                <a:ea typeface="Arial" pitchFamily="34" charset="0"/>
               </a:rPr>
               <a:t>hen fans turn, they can't touch fans.</a:t>
             </a:r>
@@ -14918,8 +14967,8 @@
                   </a:srgbClr>
                 </a:outerShdw>
               </a:effectLst>
-              <a:latin typeface="Arial" panose="020B0604020202020204" pitchFamily="34" charset="0"/>
-              <a:ea typeface="Arial" panose="020B0604020202020204" pitchFamily="34" charset="0"/>
+              <a:latin typeface="Arial" pitchFamily="34" charset="0"/>
+              <a:ea typeface="Arial" pitchFamily="34" charset="0"/>
             </a:endParaRPr>
           </a:p>
         </p:txBody>
@@ -15171,78 +15220,6 @@
           </a:prstGeom>
         </p:spPr>
       </p:pic>
-      <p:pic>
-        <p:nvPicPr>
-          <p:cNvPr id="9" name="图片 8"/>
-          <p:cNvPicPr>
-            <a:picLocks noChangeAspect="1"/>
-          </p:cNvPicPr>
-          <p:nvPr/>
-        </p:nvPicPr>
-        <p:blipFill>
-          <a:blip r:embed="rId2"/>
-          <a:stretch>
-            <a:fillRect/>
-          </a:stretch>
-        </p:blipFill>
-        <p:spPr>
-          <a:xfrm>
-            <a:off x="5572125" y="1558290"/>
-            <a:ext cx="2679700" cy="2421255"/>
-          </a:xfrm>
-          <a:prstGeom prst="rect">
-            <a:avLst/>
-          </a:prstGeom>
-        </p:spPr>
-      </p:pic>
-      <p:pic>
-        <p:nvPicPr>
-          <p:cNvPr id="10" name="图片 9"/>
-          <p:cNvPicPr>
-            <a:picLocks noChangeAspect="1"/>
-          </p:cNvPicPr>
-          <p:nvPr/>
-        </p:nvPicPr>
-        <p:blipFill>
-          <a:blip r:embed="rId3"/>
-          <a:stretch>
-            <a:fillRect/>
-          </a:stretch>
-        </p:blipFill>
-        <p:spPr>
-          <a:xfrm>
-            <a:off x="8429625" y="1601470"/>
-            <a:ext cx="2745105" cy="2334260"/>
-          </a:xfrm>
-          <a:prstGeom prst="rect">
-            <a:avLst/>
-          </a:prstGeom>
-        </p:spPr>
-      </p:pic>
-      <p:pic>
-        <p:nvPicPr>
-          <p:cNvPr id="11" name="图片 10"/>
-          <p:cNvPicPr>
-            <a:picLocks noChangeAspect="1"/>
-          </p:cNvPicPr>
-          <p:nvPr/>
-        </p:nvPicPr>
-        <p:blipFill>
-          <a:blip r:embed="rId4"/>
-          <a:stretch>
-            <a:fillRect/>
-          </a:stretch>
-        </p:blipFill>
-        <p:spPr>
-          <a:xfrm>
-            <a:off x="2780665" y="1594485"/>
-            <a:ext cx="2630805" cy="2341245"/>
-          </a:xfrm>
-          <a:prstGeom prst="rect">
-            <a:avLst/>
-          </a:prstGeom>
-        </p:spPr>
-      </p:pic>
       <p:sp>
         <p:nvSpPr>
           <p:cNvPr id="4" name="矩形 3"/>
@@ -15271,8 +15248,8 @@
                     <a:lumMod val="75000"/>
                   </a:schemeClr>
                 </a:solidFill>
-                <a:latin typeface="Arial" panose="020B0604020202020204" pitchFamily="34" charset="0"/>
-                <a:ea typeface="Arial" panose="020B0604020202020204" pitchFamily="34" charset="0"/>
+                <a:latin typeface="Arial" pitchFamily="34" charset="0"/>
+                <a:ea typeface="Arial" pitchFamily="34" charset="0"/>
               </a:rPr>
               <a:t>Learning goals</a:t>
             </a:r>
@@ -15282,12 +15259,84 @@
                   <a:lumMod val="75000"/>
                 </a:schemeClr>
               </a:solidFill>
-              <a:latin typeface="Arial" panose="020B0604020202020204" pitchFamily="34" charset="0"/>
-              <a:ea typeface="Arial" panose="020B0604020202020204" pitchFamily="34" charset="0"/>
+              <a:latin typeface="Arial" pitchFamily="34" charset="0"/>
+              <a:ea typeface="Arial" pitchFamily="34" charset="0"/>
             </a:endParaRPr>
           </a:p>
         </p:txBody>
       </p:sp>
+      <p:pic>
+        <p:nvPicPr>
+          <p:cNvPr id="3" name="图片 2"/>
+          <p:cNvPicPr>
+            <a:picLocks noChangeAspect="1"/>
+          </p:cNvPicPr>
+          <p:nvPr/>
+        </p:nvPicPr>
+        <p:blipFill>
+          <a:blip r:embed="rId2"/>
+          <a:stretch>
+            <a:fillRect/>
+          </a:stretch>
+        </p:blipFill>
+        <p:spPr>
+          <a:xfrm>
+            <a:off x="8302625" y="1579245"/>
+            <a:ext cx="2788285" cy="2075180"/>
+          </a:xfrm>
+          <a:prstGeom prst="rect">
+            <a:avLst/>
+          </a:prstGeom>
+        </p:spPr>
+      </p:pic>
+      <p:pic>
+        <p:nvPicPr>
+          <p:cNvPr id="5" name="图片 4"/>
+          <p:cNvPicPr>
+            <a:picLocks noChangeAspect="1"/>
+          </p:cNvPicPr>
+          <p:nvPr/>
+        </p:nvPicPr>
+        <p:blipFill>
+          <a:blip r:embed="rId3"/>
+          <a:stretch>
+            <a:fillRect/>
+          </a:stretch>
+        </p:blipFill>
+        <p:spPr>
+          <a:xfrm>
+            <a:off x="2846070" y="1585595"/>
+            <a:ext cx="2570480" cy="2067560"/>
+          </a:xfrm>
+          <a:prstGeom prst="rect">
+            <a:avLst/>
+          </a:prstGeom>
+        </p:spPr>
+      </p:pic>
+      <p:pic>
+        <p:nvPicPr>
+          <p:cNvPr id="8" name="图片 7"/>
+          <p:cNvPicPr>
+            <a:picLocks noChangeAspect="1"/>
+          </p:cNvPicPr>
+          <p:nvPr/>
+        </p:nvPicPr>
+        <p:blipFill>
+          <a:blip r:embed="rId4"/>
+          <a:stretch>
+            <a:fillRect/>
+          </a:stretch>
+        </p:blipFill>
+        <p:spPr>
+          <a:xfrm>
+            <a:off x="5480685" y="1574800"/>
+            <a:ext cx="2703830" cy="2088515"/>
+          </a:xfrm>
+          <a:prstGeom prst="rect">
+            <a:avLst/>
+          </a:prstGeom>
+        </p:spPr>
+      </p:pic>
     </p:spTree>
   </p:cSld>
   <p:clrMapOvr>
@@ -15587,8 +15636,8 @@
                     <a:lumMod val="75000"/>
                   </a:schemeClr>
                 </a:solidFill>
-                <a:latin typeface="Arial" panose="020B0604020202020204" pitchFamily="34" charset="0"/>
-                <a:ea typeface="Arial" panose="020B0604020202020204" pitchFamily="34" charset="0"/>
+                <a:latin typeface="Arial" pitchFamily="34" charset="0"/>
+                <a:ea typeface="Arial" pitchFamily="34" charset="0"/>
               </a:rPr>
               <a:t>Part 2</a:t>
             </a:r>
@@ -15598,8 +15647,8 @@
                   <a:lumMod val="75000"/>
                 </a:schemeClr>
               </a:solidFill>
-              <a:latin typeface="Arial" panose="020B0604020202020204" pitchFamily="34" charset="0"/>
-              <a:ea typeface="Arial" panose="020B0604020202020204" pitchFamily="34" charset="0"/>
+              <a:latin typeface="Arial" pitchFamily="34" charset="0"/>
+              <a:ea typeface="Arial" pitchFamily="34" charset="0"/>
             </a:endParaRPr>
           </a:p>
         </p:txBody>
@@ -15630,8 +15679,8 @@
                 <a:solidFill>
                   <a:schemeClr val="bg1"/>
                 </a:solidFill>
-                <a:latin typeface="Arial" panose="020B0604020202020204" pitchFamily="34" charset="0"/>
-                <a:ea typeface="Arial" panose="020B0604020202020204" pitchFamily="34" charset="0"/>
+                <a:latin typeface="Arial" pitchFamily="34" charset="0"/>
+                <a:ea typeface="Arial" pitchFamily="34" charset="0"/>
               </a:rPr>
               <a:t>          </a:t>
             </a:r>
@@ -15640,8 +15689,8 @@
                 <a:solidFill>
                   <a:schemeClr val="bg1"/>
                 </a:solidFill>
-                <a:latin typeface="Arial" panose="020B0604020202020204" pitchFamily="34" charset="0"/>
-                <a:ea typeface="Arial" panose="020B0604020202020204" pitchFamily="34" charset="0"/>
+                <a:latin typeface="Arial" pitchFamily="34" charset="0"/>
+                <a:ea typeface="Arial" pitchFamily="34" charset="0"/>
               </a:rPr>
               <a:t>                 </a:t>
             </a:r>
@@ -15650,8 +15699,8 @@
                 <a:solidFill>
                   <a:schemeClr val="bg1"/>
                 </a:solidFill>
-                <a:latin typeface="Arial" panose="020B0604020202020204" pitchFamily="34" charset="0"/>
-                <a:ea typeface="Arial" panose="020B0604020202020204" pitchFamily="34" charset="0"/>
+                <a:latin typeface="Arial" pitchFamily="34" charset="0"/>
+                <a:ea typeface="Arial" pitchFamily="34" charset="0"/>
               </a:rPr>
               <a:t>micro:bit</a:t>
             </a:r>
@@ -15660,8 +15709,8 @@
                 <a:solidFill>
                   <a:schemeClr val="bg1"/>
                 </a:solidFill>
-                <a:latin typeface="Arial" panose="020B0604020202020204" pitchFamily="34" charset="0"/>
-                <a:ea typeface="Arial" panose="020B0604020202020204" pitchFamily="34" charset="0"/>
+                <a:latin typeface="Arial" pitchFamily="34" charset="0"/>
+                <a:ea typeface="Arial" pitchFamily="34" charset="0"/>
               </a:rPr>
               <a:t> entry video tutorial</a:t>
             </a:r>
@@ -15670,21 +15719,21 @@
                 <a:solidFill>
                   <a:schemeClr val="bg1"/>
                 </a:solidFill>
-                <a:latin typeface="Arial" panose="020B0604020202020204" pitchFamily="34" charset="0"/>
-                <a:ea typeface="Arial" panose="020B0604020202020204" pitchFamily="34" charset="0"/>
+                <a:latin typeface="Arial" pitchFamily="34" charset="0"/>
+                <a:ea typeface="Arial" pitchFamily="34" charset="0"/>
               </a:rPr>
               <a:t> </a:t>
             </a:r>
             <a:r>
               <a:rPr lang="zh-CN" altLang="en-US" sz="2800" u="sng">
                 <a:latin typeface="icomoon" charset="0"/>
-                <a:ea typeface="Yu Gothic UI Semibold" panose="020B0700000000000000" charset="-128"/>
+                <a:ea typeface="Yu Gothic UI Semibold" charset="-128"/>
               </a:rPr>
               <a:t>                                </a:t>
             </a:r>
             <a:endParaRPr lang="zh-CN" altLang="en-US" sz="2800" u="sng">
               <a:latin typeface="icomoon" charset="0"/>
-              <a:ea typeface="Yu Gothic UI Semibold" panose="020B0700000000000000" charset="-128"/>
+              <a:ea typeface="Yu Gothic UI Semibold" charset="-128"/>
             </a:endParaRPr>
           </a:p>
         </p:txBody>
@@ -16084,8 +16133,8 @@
                 <a:solidFill>
                   <a:schemeClr val="bg1"/>
                 </a:solidFill>
-                <a:latin typeface="Arial" panose="020B0604020202020204" pitchFamily="34" charset="0"/>
-                <a:ea typeface="Arial" panose="020B0604020202020204" pitchFamily="34" charset="0"/>
+                <a:latin typeface="Arial" pitchFamily="34" charset="0"/>
+                <a:ea typeface="Arial" pitchFamily="34" charset="0"/>
                 <a:sym typeface="+mn-ea"/>
               </a:rPr>
               <a:t> </a:t>
@@ -16095,8 +16144,8 @@
                 <a:solidFill>
                   <a:schemeClr val="bg1"/>
                 </a:solidFill>
-                <a:latin typeface="Arial" panose="020B0604020202020204" pitchFamily="34" charset="0"/>
-                <a:ea typeface="Arial" panose="020B0604020202020204" pitchFamily="34" charset="0"/>
+                <a:latin typeface="Arial" pitchFamily="34" charset="0"/>
+                <a:ea typeface="Arial" pitchFamily="34" charset="0"/>
                 <a:sym typeface="+mn-ea"/>
               </a:rPr>
               <a:t>YahBoom     </a:t>
@@ -16106,8 +16155,8 @@
                 <a:solidFill>
                   <a:schemeClr val="bg1"/>
                 </a:solidFill>
-                <a:latin typeface="Arial" panose="020B0604020202020204" pitchFamily="34" charset="0"/>
-                <a:ea typeface="Arial" panose="020B0604020202020204" pitchFamily="34" charset="0"/>
+                <a:latin typeface="Arial" pitchFamily="34" charset="0"/>
+                <a:ea typeface="Arial" pitchFamily="34" charset="0"/>
                 <a:sym typeface="+mn-ea"/>
               </a:rPr>
               <a:t>micro:bit</a:t>
@@ -16117,8 +16166,8 @@
                 <a:solidFill>
                   <a:schemeClr val="bg1"/>
                 </a:solidFill>
-                <a:latin typeface="Arial" panose="020B0604020202020204" pitchFamily="34" charset="0"/>
-                <a:ea typeface="Arial" panose="020B0604020202020204" pitchFamily="34" charset="0"/>
+                <a:latin typeface="Arial" pitchFamily="34" charset="0"/>
+                <a:ea typeface="Arial" pitchFamily="34" charset="0"/>
                 <a:sym typeface="+mn-ea"/>
               </a:rPr>
               <a:t> </a:t>
@@ -16128,8 +16177,8 @@
                 <a:solidFill>
                   <a:schemeClr val="bg1"/>
                 </a:solidFill>
-                <a:latin typeface="Arial" panose="020B0604020202020204" pitchFamily="34" charset="0"/>
-                <a:ea typeface="Arial" panose="020B0604020202020204" pitchFamily="34" charset="0"/>
+                <a:latin typeface="Arial" pitchFamily="34" charset="0"/>
+                <a:ea typeface="Arial" pitchFamily="34" charset="0"/>
                 <a:sym typeface="+mn-ea"/>
               </a:rPr>
               <a:t>module</a:t>
@@ -16139,8 +16188,8 @@
                 <a:solidFill>
                   <a:schemeClr val="bg1"/>
                 </a:solidFill>
-                <a:latin typeface="Arial" panose="020B0604020202020204" pitchFamily="34" charset="0"/>
-                <a:ea typeface="Arial" panose="020B0604020202020204" pitchFamily="34" charset="0"/>
+                <a:latin typeface="Arial" pitchFamily="34" charset="0"/>
+                <a:ea typeface="Arial" pitchFamily="34" charset="0"/>
                 <a:sym typeface="+mn-ea"/>
               </a:rPr>
               <a:t> tutorial</a:t>
@@ -16178,8 +16227,8 @@
                     <a:lumMod val="75000"/>
                   </a:schemeClr>
                 </a:solidFill>
-                <a:latin typeface="Arial" panose="020B0604020202020204" pitchFamily="34" charset="0"/>
-                <a:ea typeface="Arial" panose="020B0604020202020204" pitchFamily="34" charset="0"/>
+                <a:latin typeface="Arial" pitchFamily="34" charset="0"/>
+                <a:ea typeface="Arial" pitchFamily="34" charset="0"/>
                 <a:sym typeface="+mn-ea"/>
               </a:rPr>
               <a:t>Hardware</a:t>
@@ -16191,8 +16240,8 @@
                     <a:lumMod val="75000"/>
                   </a:schemeClr>
                 </a:solidFill>
-                <a:latin typeface="Arial" panose="020B0604020202020204" pitchFamily="34" charset="0"/>
-                <a:ea typeface="Arial" panose="020B0604020202020204" pitchFamily="34" charset="0"/>
+                <a:latin typeface="Arial" pitchFamily="34" charset="0"/>
+                <a:ea typeface="Arial" pitchFamily="34" charset="0"/>
                 <a:sym typeface="+mn-ea"/>
               </a:rPr>
               <a:t>:</a:t>
@@ -16203,8 +16252,8 @@
                   <a:lumMod val="75000"/>
                 </a:schemeClr>
               </a:solidFill>
-              <a:latin typeface="Arial" panose="020B0604020202020204" pitchFamily="34" charset="0"/>
-              <a:ea typeface="Arial" panose="020B0604020202020204" pitchFamily="34" charset="0"/>
+              <a:latin typeface="Arial" pitchFamily="34" charset="0"/>
+              <a:ea typeface="Arial" pitchFamily="34" charset="0"/>
             </a:endParaRPr>
           </a:p>
         </p:txBody>
@@ -16237,8 +16286,8 @@
                     <a:lumMod val="75000"/>
                   </a:schemeClr>
                 </a:solidFill>
-                <a:latin typeface="Arial" panose="020B0604020202020204" pitchFamily="34" charset="0"/>
-                <a:ea typeface="Arial" panose="020B0604020202020204" pitchFamily="34" charset="0"/>
+                <a:latin typeface="Arial" pitchFamily="34" charset="0"/>
+                <a:ea typeface="Arial" pitchFamily="34" charset="0"/>
               </a:rPr>
               <a:t>●  </a:t>
             </a:r>
@@ -16249,8 +16298,8 @@
                     <a:lumMod val="75000"/>
                   </a:schemeClr>
                 </a:solidFill>
-                <a:latin typeface="Arial" panose="020B0604020202020204" pitchFamily="34" charset="0"/>
-                <a:ea typeface="Arial" panose="020B0604020202020204" pitchFamily="34" charset="0"/>
+                <a:latin typeface="Arial" pitchFamily="34" charset="0"/>
+                <a:ea typeface="Arial" pitchFamily="34" charset="0"/>
                 <a:sym typeface="+mn-ea"/>
               </a:rPr>
               <a:t>1 X Micro: bit Board</a:t>
@@ -16261,8 +16310,8 @@
                   <a:lumMod val="75000"/>
                 </a:schemeClr>
               </a:solidFill>
-              <a:latin typeface="Arial" panose="020B0604020202020204" pitchFamily="34" charset="0"/>
-              <a:ea typeface="Arial" panose="020B0604020202020204" pitchFamily="34" charset="0"/>
+              <a:latin typeface="Arial" pitchFamily="34" charset="0"/>
+              <a:ea typeface="Arial" pitchFamily="34" charset="0"/>
             </a:endParaRPr>
           </a:p>
           <a:p>
@@ -16273,8 +16322,8 @@
                     <a:lumMod val="75000"/>
                   </a:schemeClr>
                 </a:solidFill>
-                <a:latin typeface="Arial" panose="020B0604020202020204" pitchFamily="34" charset="0"/>
-                <a:ea typeface="Arial" panose="020B0604020202020204" pitchFamily="34" charset="0"/>
+                <a:latin typeface="Arial" pitchFamily="34" charset="0"/>
+                <a:ea typeface="Arial" pitchFamily="34" charset="0"/>
                 <a:sym typeface="+mn-ea"/>
               </a:rPr>
               <a:t>●  </a:t>
@@ -16286,8 +16335,8 @@
                     <a:lumMod val="75000"/>
                   </a:schemeClr>
                 </a:solidFill>
-                <a:latin typeface="Arial" panose="020B0604020202020204" pitchFamily="34" charset="0"/>
-                <a:ea typeface="Arial" panose="020B0604020202020204" pitchFamily="34" charset="0"/>
+                <a:latin typeface="Arial" pitchFamily="34" charset="0"/>
+                <a:ea typeface="Arial" pitchFamily="34" charset="0"/>
                 <a:sym typeface="+mn-ea"/>
               </a:rPr>
               <a:t>1 X Micro USB Cable</a:t>
@@ -16298,8 +16347,8 @@
                   <a:lumMod val="75000"/>
                 </a:schemeClr>
               </a:solidFill>
-              <a:latin typeface="Arial" panose="020B0604020202020204" pitchFamily="34" charset="0"/>
-              <a:ea typeface="Arial" panose="020B0604020202020204" pitchFamily="34" charset="0"/>
+              <a:latin typeface="Arial" pitchFamily="34" charset="0"/>
+              <a:ea typeface="Arial" pitchFamily="34" charset="0"/>
               <a:sym typeface="+mn-ea"/>
             </a:endParaRPr>
           </a:p>
@@ -16311,8 +16360,8 @@
                     <a:lumMod val="75000"/>
                   </a:schemeClr>
                 </a:solidFill>
-                <a:latin typeface="Arial" panose="020B0604020202020204" pitchFamily="34" charset="0"/>
-                <a:ea typeface="Arial" panose="020B0604020202020204" pitchFamily="34" charset="0"/>
+                <a:latin typeface="Arial" pitchFamily="34" charset="0"/>
+                <a:ea typeface="Arial" pitchFamily="34" charset="0"/>
                 <a:sym typeface="+mn-ea"/>
               </a:rPr>
               <a:t>●  1 X Micro:bit</a:t>
@@ -16324,8 +16373,8 @@
                     <a:lumMod val="75000"/>
                   </a:schemeClr>
                 </a:solidFill>
-                <a:latin typeface="Arial" panose="020B0604020202020204" pitchFamily="34" charset="0"/>
-                <a:ea typeface="Arial" panose="020B0604020202020204" pitchFamily="34" charset="0"/>
+                <a:latin typeface="Arial" pitchFamily="34" charset="0"/>
+                <a:ea typeface="Arial" pitchFamily="34" charset="0"/>
                 <a:sym typeface="+mn-ea"/>
               </a:rPr>
               <a:t> </a:t>
@@ -16337,8 +16386,8 @@
                     <a:lumMod val="75000"/>
                   </a:schemeClr>
                 </a:solidFill>
-                <a:latin typeface="Arial" panose="020B0604020202020204" pitchFamily="34" charset="0"/>
-                <a:ea typeface="Arial" panose="020B0604020202020204" pitchFamily="34" charset="0"/>
+                <a:latin typeface="Arial" pitchFamily="34" charset="0"/>
+                <a:ea typeface="Arial" pitchFamily="34" charset="0"/>
                 <a:sym typeface="+mn-ea"/>
               </a:rPr>
               <a:t>breakout</a:t>
@@ -16349,8 +16398,8 @@
                   <a:lumMod val="75000"/>
                 </a:schemeClr>
               </a:solidFill>
-              <a:latin typeface="Arial" panose="020B0604020202020204" pitchFamily="34" charset="0"/>
-              <a:ea typeface="Arial" panose="020B0604020202020204" pitchFamily="34" charset="0"/>
+              <a:latin typeface="Arial" pitchFamily="34" charset="0"/>
+              <a:ea typeface="Arial" pitchFamily="34" charset="0"/>
               <a:sym typeface="+mn-ea"/>
             </a:endParaRPr>
           </a:p>
@@ -16362,8 +16411,8 @@
                     <a:lumMod val="75000"/>
                   </a:schemeClr>
                 </a:solidFill>
-                <a:latin typeface="Arial" panose="020B0604020202020204" pitchFamily="34" charset="0"/>
-                <a:ea typeface="Arial" panose="020B0604020202020204" pitchFamily="34" charset="0"/>
+                <a:latin typeface="Arial" pitchFamily="34" charset="0"/>
+                <a:ea typeface="Arial" pitchFamily="34" charset="0"/>
                 <a:sym typeface="+mn-ea"/>
               </a:rPr>
               <a:t>●  5 X Male to male cable</a:t>
@@ -16375,8 +16424,8 @@
                     <a:lumMod val="75000"/>
                   </a:schemeClr>
                 </a:solidFill>
-                <a:latin typeface="Arial" panose="020B0604020202020204" pitchFamily="34" charset="0"/>
-                <a:ea typeface="Arial" panose="020B0604020202020204" pitchFamily="34" charset="0"/>
+                <a:latin typeface="Arial" pitchFamily="34" charset="0"/>
+                <a:ea typeface="Arial" pitchFamily="34" charset="0"/>
                 <a:sym typeface="+mn-ea"/>
               </a:rPr>
               <a:t> </a:t>
@@ -16387,8 +16436,8 @@
                   <a:lumMod val="75000"/>
                 </a:schemeClr>
               </a:solidFill>
-              <a:latin typeface="Arial" panose="020B0604020202020204" pitchFamily="34" charset="0"/>
-              <a:ea typeface="Arial" panose="020B0604020202020204" pitchFamily="34" charset="0"/>
+              <a:latin typeface="Arial" pitchFamily="34" charset="0"/>
+              <a:ea typeface="Arial" pitchFamily="34" charset="0"/>
               <a:sym typeface="+mn-ea"/>
             </a:endParaRPr>
           </a:p>
@@ -16400,8 +16449,8 @@
                     <a:lumMod val="75000"/>
                   </a:schemeClr>
                 </a:solidFill>
-                <a:latin typeface="Arial" panose="020B0604020202020204" pitchFamily="34" charset="0"/>
-                <a:ea typeface="Arial" panose="020B0604020202020204" pitchFamily="34" charset="0"/>
+                <a:latin typeface="Arial" pitchFamily="34" charset="0"/>
+                <a:ea typeface="Arial" pitchFamily="34" charset="0"/>
                 <a:sym typeface="+mn-ea"/>
               </a:rPr>
               <a:t>●  1 X 830 holes breadboard</a:t>
@@ -16412,8 +16461,8 @@
                   <a:lumMod val="75000"/>
                 </a:schemeClr>
               </a:solidFill>
-              <a:latin typeface="Arial" panose="020B0604020202020204" pitchFamily="34" charset="0"/>
-              <a:ea typeface="Arial" panose="020B0604020202020204" pitchFamily="34" charset="0"/>
+              <a:latin typeface="Arial" pitchFamily="34" charset="0"/>
+              <a:ea typeface="Arial" pitchFamily="34" charset="0"/>
               <a:sym typeface="+mn-ea"/>
             </a:endParaRPr>
           </a:p>
@@ -16425,8 +16474,8 @@
                     <a:lumMod val="75000"/>
                   </a:schemeClr>
                 </a:solidFill>
-                <a:latin typeface="Arial" panose="020B0604020202020204" pitchFamily="34" charset="0"/>
-                <a:ea typeface="Arial" panose="020B0604020202020204" pitchFamily="34" charset="0"/>
+                <a:latin typeface="Arial" pitchFamily="34" charset="0"/>
+                <a:ea typeface="Arial" pitchFamily="34" charset="0"/>
                 <a:sym typeface="+mn-ea"/>
               </a:rPr>
               <a:t>●  </a:t>
@@ -16438,8 +16487,8 @@
                     <a:lumMod val="75000"/>
                   </a:schemeClr>
                 </a:solidFill>
-                <a:latin typeface="Arial" panose="020B0604020202020204" pitchFamily="34" charset="0"/>
-                <a:ea typeface="Arial" panose="020B0604020202020204" pitchFamily="34" charset="0"/>
+                <a:latin typeface="Arial" pitchFamily="34" charset="0"/>
+                <a:ea typeface="Arial" pitchFamily="34" charset="0"/>
                 <a:sym typeface="+mn-ea"/>
               </a:rPr>
               <a:t>1 X </a:t>
@@ -16451,8 +16500,8 @@
                     <a:lumMod val="75000"/>
                   </a:schemeClr>
                 </a:solidFill>
-                <a:latin typeface="Arial" panose="020B0604020202020204" pitchFamily="34" charset="0"/>
-                <a:ea typeface="Arial" panose="020B0604020202020204" pitchFamily="34" charset="0"/>
+                <a:latin typeface="Arial" pitchFamily="34" charset="0"/>
+                <a:ea typeface="Arial" pitchFamily="34" charset="0"/>
                 <a:sym typeface="+mn-ea"/>
               </a:rPr>
               <a:t>fan</a:t>
@@ -16463,8 +16512,8 @@
                   <a:lumMod val="75000"/>
                 </a:schemeClr>
               </a:solidFill>
-              <a:latin typeface="Arial" panose="020B0604020202020204" pitchFamily="34" charset="0"/>
-              <a:ea typeface="Arial" panose="020B0604020202020204" pitchFamily="34" charset="0"/>
+              <a:latin typeface="Arial" pitchFamily="34" charset="0"/>
+              <a:ea typeface="Arial" pitchFamily="34" charset="0"/>
             </a:endParaRPr>
           </a:p>
           <a:p>
@@ -16475,8 +16524,8 @@
                     <a:lumMod val="75000"/>
                   </a:schemeClr>
                 </a:solidFill>
-                <a:latin typeface="Arial" panose="020B0604020202020204" pitchFamily="34" charset="0"/>
-                <a:ea typeface="Arial" panose="020B0604020202020204" pitchFamily="34" charset="0"/>
+                <a:latin typeface="Arial" pitchFamily="34" charset="0"/>
+                <a:ea typeface="Arial" pitchFamily="34" charset="0"/>
                 <a:sym typeface="+mn-ea"/>
               </a:rPr>
               <a:t>●  1 X ULN2003 driver board </a:t>
@@ -16487,8 +16536,8 @@
                   <a:lumMod val="75000"/>
                 </a:schemeClr>
               </a:solidFill>
-              <a:latin typeface="Arial" panose="020B0604020202020204" pitchFamily="34" charset="0"/>
-              <a:ea typeface="Arial" panose="020B0604020202020204" pitchFamily="34" charset="0"/>
+              <a:latin typeface="Arial" pitchFamily="34" charset="0"/>
+              <a:ea typeface="Arial" pitchFamily="34" charset="0"/>
             </a:endParaRPr>
           </a:p>
         </p:txBody>
@@ -16522,8 +16571,8 @@
                     <a:lumMod val="75000"/>
                   </a:schemeClr>
                 </a:solidFill>
-                <a:latin typeface="微软雅黑 Light" panose="020B0502040204020203" charset="-122"/>
-                <a:ea typeface="微软雅黑 Light" panose="020B0502040204020203" charset="-122"/>
+                <a:latin typeface="微软雅黑 Light" charset="-122"/>
+                <a:ea typeface="微软雅黑 Light" charset="-122"/>
               </a:rPr>
               <a:t>      </a:t>
             </a:r>
@@ -16534,8 +16583,8 @@
                     <a:lumMod val="75000"/>
                   </a:schemeClr>
                 </a:solidFill>
-                <a:latin typeface="Arial" panose="020B0604020202020204" pitchFamily="34" charset="0"/>
-                <a:ea typeface="Arial" panose="020B0604020202020204" pitchFamily="34" charset="0"/>
+                <a:latin typeface="Arial" pitchFamily="34" charset="0"/>
+                <a:ea typeface="Arial" pitchFamily="34" charset="0"/>
                 <a:sym typeface="+mn-ea"/>
               </a:rPr>
               <a:t>Then the micro:bit is connected to the computer through USB, and the computer will pop up a U disk and click the URL in the U disk to enter the programming interface. </a:t>
@@ -16547,8 +16596,8 @@
                     <a:lumMod val="75000"/>
                   </a:schemeClr>
                 </a:solidFill>
-                <a:latin typeface="Arial" panose="020B0604020202020204" pitchFamily="34" charset="0"/>
-                <a:ea typeface="Arial" panose="020B0604020202020204" pitchFamily="34" charset="0"/>
+                <a:latin typeface="Arial" pitchFamily="34" charset="0"/>
+                <a:ea typeface="Arial" pitchFamily="34" charset="0"/>
                 <a:sym typeface="+mn-ea"/>
               </a:rPr>
               <a:t>Input this URL </a:t>
@@ -16558,8 +16607,8 @@
                 <a:solidFill>
                   <a:srgbClr val="FF0000"/>
                 </a:solidFill>
-                <a:latin typeface="Arial" panose="020B0604020202020204" pitchFamily="34" charset="0"/>
-                <a:ea typeface="Arial" panose="020B0604020202020204" pitchFamily="34" charset="0"/>
+                <a:latin typeface="Arial" pitchFamily="34" charset="0"/>
+                <a:ea typeface="Arial" pitchFamily="34" charset="0"/>
                 <a:sym typeface="+mn-ea"/>
               </a:rPr>
               <a:t>https://github.com/lzty634158/yahboom_mbit_en </a:t>
@@ -16571,8 +16620,8 @@
                     <a:lumMod val="75000"/>
                   </a:schemeClr>
                 </a:solidFill>
-                <a:latin typeface="Arial" panose="020B0604020202020204" pitchFamily="34" charset="0"/>
-                <a:ea typeface="Arial" panose="020B0604020202020204" pitchFamily="34" charset="0"/>
+                <a:latin typeface="Arial" pitchFamily="34" charset="0"/>
+                <a:ea typeface="Arial" pitchFamily="34" charset="0"/>
                 <a:sym typeface="+mn-ea"/>
               </a:rPr>
               <a:t>to get the package.</a:t>
@@ -16583,8 +16632,8 @@
                   <a:lumMod val="75000"/>
                 </a:schemeClr>
               </a:solidFill>
-              <a:latin typeface="Arial" panose="020B0604020202020204" pitchFamily="34" charset="0"/>
-              <a:ea typeface="Arial" panose="020B0604020202020204" pitchFamily="34" charset="0"/>
+              <a:latin typeface="Arial" pitchFamily="34" charset="0"/>
+              <a:ea typeface="Arial" pitchFamily="34" charset="0"/>
               <a:sym typeface="+mn-ea"/>
             </a:endParaRPr>
           </a:p>
@@ -16596,8 +16645,8 @@
                   <a:lumMod val="75000"/>
                 </a:schemeClr>
               </a:solidFill>
-              <a:latin typeface="Arial" panose="020B0604020202020204" pitchFamily="34" charset="0"/>
-              <a:ea typeface="Arial" panose="020B0604020202020204" pitchFamily="34" charset="0"/>
+              <a:latin typeface="Arial" pitchFamily="34" charset="0"/>
+              <a:ea typeface="Arial" pitchFamily="34" charset="0"/>
             </a:endParaRPr>
           </a:p>
         </p:txBody>
@@ -16878,8 +16927,8 @@
                     <a:lumMod val="75000"/>
                   </a:schemeClr>
                 </a:solidFill>
-                <a:latin typeface="Arial" panose="020B0604020202020204" pitchFamily="34" charset="0"/>
-                <a:ea typeface="Arial" panose="020B0604020202020204" pitchFamily="34" charset="0"/>
+                <a:latin typeface="Arial" pitchFamily="34" charset="0"/>
+                <a:ea typeface="Arial" pitchFamily="34" charset="0"/>
               </a:rPr>
               <a:t>Preparation </a:t>
             </a:r>
@@ -16889,8 +16938,8 @@
                   <a:lumMod val="75000"/>
                 </a:schemeClr>
               </a:solidFill>
-              <a:latin typeface="Arial" panose="020B0604020202020204" pitchFamily="34" charset="0"/>
-              <a:ea typeface="Arial" panose="020B0604020202020204" pitchFamily="34" charset="0"/>
+              <a:latin typeface="Arial" pitchFamily="34" charset="0"/>
+              <a:ea typeface="Arial" pitchFamily="34" charset="0"/>
             </a:endParaRPr>
           </a:p>
         </p:txBody>
@@ -16958,8 +17007,8 @@
                 <a:solidFill>
                   <a:schemeClr val="bg1"/>
                 </a:solidFill>
-                <a:latin typeface="Arial" panose="020B0604020202020204" pitchFamily="34" charset="0"/>
-                <a:ea typeface="Arial" panose="020B0604020202020204" pitchFamily="34" charset="0"/>
+                <a:latin typeface="Arial" pitchFamily="34" charset="0"/>
+                <a:ea typeface="Arial" pitchFamily="34" charset="0"/>
               </a:rPr>
               <a:t>          </a:t>
             </a:r>
@@ -16968,8 +17017,8 @@
                 <a:solidFill>
                   <a:schemeClr val="bg1"/>
                 </a:solidFill>
-                <a:latin typeface="Arial" panose="020B0604020202020204" pitchFamily="34" charset="0"/>
-                <a:ea typeface="Arial" panose="020B0604020202020204" pitchFamily="34" charset="0"/>
+                <a:latin typeface="Arial" pitchFamily="34" charset="0"/>
+                <a:ea typeface="Arial" pitchFamily="34" charset="0"/>
               </a:rPr>
               <a:t>                 </a:t>
             </a:r>
@@ -16978,8 +17027,8 @@
                 <a:solidFill>
                   <a:schemeClr val="bg1"/>
                 </a:solidFill>
-                <a:latin typeface="Arial" panose="020B0604020202020204" pitchFamily="34" charset="0"/>
-                <a:ea typeface="Arial" panose="020B0604020202020204" pitchFamily="34" charset="0"/>
+                <a:latin typeface="Arial" pitchFamily="34" charset="0"/>
+                <a:ea typeface="Arial" pitchFamily="34" charset="0"/>
               </a:rPr>
               <a:t>micro:bit</a:t>
             </a:r>
@@ -16988,8 +17037,8 @@
                 <a:solidFill>
                   <a:schemeClr val="bg1"/>
                 </a:solidFill>
-                <a:latin typeface="Arial" panose="020B0604020202020204" pitchFamily="34" charset="0"/>
-                <a:ea typeface="Arial" panose="020B0604020202020204" pitchFamily="34" charset="0"/>
+                <a:latin typeface="Arial" pitchFamily="34" charset="0"/>
+                <a:ea typeface="Arial" pitchFamily="34" charset="0"/>
               </a:rPr>
               <a:t> entry video tutorial</a:t>
             </a:r>
@@ -16998,21 +17047,21 @@
                 <a:solidFill>
                   <a:schemeClr val="bg1"/>
                 </a:solidFill>
-                <a:latin typeface="Arial" panose="020B0604020202020204" pitchFamily="34" charset="0"/>
-                <a:ea typeface="Arial" panose="020B0604020202020204" pitchFamily="34" charset="0"/>
+                <a:latin typeface="Arial" pitchFamily="34" charset="0"/>
+                <a:ea typeface="Arial" pitchFamily="34" charset="0"/>
               </a:rPr>
               <a:t> </a:t>
             </a:r>
             <a:r>
               <a:rPr lang="zh-CN" altLang="en-US" sz="2800" u="sng">
                 <a:latin typeface="icomoon" charset="0"/>
-                <a:ea typeface="Yu Gothic UI Semibold" panose="020B0700000000000000" charset="-128"/>
+                <a:ea typeface="Yu Gothic UI Semibold" charset="-128"/>
               </a:rPr>
               <a:t>                                </a:t>
             </a:r>
             <a:endParaRPr lang="zh-CN" altLang="en-US" sz="2800" u="sng">
               <a:latin typeface="icomoon" charset="0"/>
-              <a:ea typeface="Yu Gothic UI Semibold" panose="020B0700000000000000" charset="-128"/>
+              <a:ea typeface="Yu Gothic UI Semibold" charset="-128"/>
             </a:endParaRPr>
           </a:p>
         </p:txBody>
@@ -17069,8 +17118,8 @@
                     <a:lumMod val="75000"/>
                   </a:schemeClr>
                 </a:solidFill>
-                <a:latin typeface="Arial" panose="020B0604020202020204" pitchFamily="34" charset="0"/>
-                <a:ea typeface="Arial" panose="020B0604020202020204" pitchFamily="34" charset="0"/>
+                <a:latin typeface="Arial" pitchFamily="34" charset="0"/>
+                <a:ea typeface="Arial" pitchFamily="34" charset="0"/>
               </a:rPr>
               <a:t>Part </a:t>
             </a:r>
@@ -17081,8 +17130,8 @@
                     <a:lumMod val="75000"/>
                   </a:schemeClr>
                 </a:solidFill>
-                <a:latin typeface="Arial" panose="020B0604020202020204" pitchFamily="34" charset="0"/>
-                <a:ea typeface="Arial" panose="020B0604020202020204" pitchFamily="34" charset="0"/>
+                <a:latin typeface="Arial" pitchFamily="34" charset="0"/>
+                <a:ea typeface="Arial" pitchFamily="34" charset="0"/>
               </a:rPr>
               <a:t>2</a:t>
             </a:r>
@@ -17092,8 +17141,8 @@
                   <a:lumMod val="75000"/>
                 </a:schemeClr>
               </a:solidFill>
-              <a:latin typeface="Arial" panose="020B0604020202020204" pitchFamily="34" charset="0"/>
-              <a:ea typeface="Arial" panose="020B0604020202020204" pitchFamily="34" charset="0"/>
+              <a:latin typeface="Arial" pitchFamily="34" charset="0"/>
+              <a:ea typeface="Arial" pitchFamily="34" charset="0"/>
             </a:endParaRPr>
           </a:p>
         </p:txBody>
@@ -17716,8 +17765,8 @@
                 <a:solidFill>
                   <a:schemeClr val="bg1"/>
                 </a:solidFill>
-                <a:latin typeface="Arial" panose="020B0604020202020204" pitchFamily="34" charset="0"/>
-                <a:ea typeface="Arial" panose="020B0604020202020204" pitchFamily="34" charset="0"/>
+                <a:latin typeface="Arial" pitchFamily="34" charset="0"/>
+                <a:ea typeface="Arial" pitchFamily="34" charset="0"/>
                 <a:sym typeface="+mn-ea"/>
               </a:rPr>
               <a:t> </a:t>
@@ -17727,8 +17776,8 @@
                 <a:solidFill>
                   <a:schemeClr val="bg1"/>
                 </a:solidFill>
-                <a:latin typeface="Arial" panose="020B0604020202020204" pitchFamily="34" charset="0"/>
-                <a:ea typeface="Arial" panose="020B0604020202020204" pitchFamily="34" charset="0"/>
+                <a:latin typeface="Arial" pitchFamily="34" charset="0"/>
+                <a:ea typeface="Arial" pitchFamily="34" charset="0"/>
                 <a:sym typeface="+mn-ea"/>
               </a:rPr>
               <a:t>YahBoom     </a:t>
@@ -17738,8 +17787,8 @@
                 <a:solidFill>
                   <a:schemeClr val="bg1"/>
                 </a:solidFill>
-                <a:latin typeface="Arial" panose="020B0604020202020204" pitchFamily="34" charset="0"/>
-                <a:ea typeface="Arial" panose="020B0604020202020204" pitchFamily="34" charset="0"/>
+                <a:latin typeface="Arial" pitchFamily="34" charset="0"/>
+                <a:ea typeface="Arial" pitchFamily="34" charset="0"/>
                 <a:sym typeface="+mn-ea"/>
               </a:rPr>
               <a:t>micro:bit</a:t>
@@ -17749,8 +17798,8 @@
                 <a:solidFill>
                   <a:schemeClr val="bg1"/>
                 </a:solidFill>
-                <a:latin typeface="Arial" panose="020B0604020202020204" pitchFamily="34" charset="0"/>
-                <a:ea typeface="Arial" panose="020B0604020202020204" pitchFamily="34" charset="0"/>
+                <a:latin typeface="Arial" pitchFamily="34" charset="0"/>
+                <a:ea typeface="Arial" pitchFamily="34" charset="0"/>
                 <a:sym typeface="+mn-ea"/>
               </a:rPr>
               <a:t> module tutorial</a:t>
@@ -18016,8 +18065,8 @@
                     </a:srgbClr>
                   </a:outerShdw>
                 </a:effectLst>
-                <a:latin typeface="Arial" panose="020B0604020202020204" pitchFamily="34" charset="0"/>
-                <a:ea typeface="Arial" panose="020B0604020202020204" pitchFamily="34" charset="0"/>
+                <a:latin typeface="Arial" pitchFamily="34" charset="0"/>
+                <a:ea typeface="Arial" pitchFamily="34" charset="0"/>
               </a:rPr>
               <a:t>       </a:t>
             </a:r>
@@ -18030,8 +18079,8 @@
                     </a:srgbClr>
                   </a:outerShdw>
                 </a:effectLst>
-                <a:latin typeface="Arial" panose="020B0604020202020204" pitchFamily="34" charset="0"/>
-                <a:ea typeface="Arial" panose="020B0604020202020204" pitchFamily="34" charset="0"/>
+                <a:latin typeface="Arial" pitchFamily="34" charset="0"/>
+                <a:ea typeface="Arial" pitchFamily="34" charset="0"/>
               </a:rPr>
               <a:t>Refer to the figure to complete the wiring</a:t>
             </a:r>
@@ -18044,8 +18093,8 @@
                     </a:srgbClr>
                   </a:outerShdw>
                 </a:effectLst>
-                <a:latin typeface="Arial" panose="020B0604020202020204" pitchFamily="34" charset="0"/>
-                <a:ea typeface="Arial" panose="020B0604020202020204" pitchFamily="34" charset="0"/>
+                <a:latin typeface="Arial" pitchFamily="34" charset="0"/>
+                <a:ea typeface="Arial" pitchFamily="34" charset="0"/>
               </a:rPr>
               <a:t>.</a:t>
             </a:r>
@@ -18060,8 +18109,8 @@
                   </a:srgbClr>
                 </a:outerShdw>
               </a:effectLst>
-              <a:latin typeface="Arial" panose="020B0604020202020204" pitchFamily="34" charset="0"/>
-              <a:ea typeface="Arial" panose="020B0604020202020204" pitchFamily="34" charset="0"/>
+              <a:latin typeface="Arial" pitchFamily="34" charset="0"/>
+              <a:ea typeface="Arial" pitchFamily="34" charset="0"/>
               <a:sym typeface="+mn-ea"/>
             </a:endParaRPr>
           </a:p>
@@ -18077,8 +18126,8 @@
                   </a:srgbClr>
                 </a:outerShdw>
               </a:effectLst>
-              <a:latin typeface="Arial" panose="020B0604020202020204" pitchFamily="34" charset="0"/>
-              <a:ea typeface="Arial" panose="020B0604020202020204" pitchFamily="34" charset="0"/>
+              <a:latin typeface="Arial" pitchFamily="34" charset="0"/>
+              <a:ea typeface="Arial" pitchFamily="34" charset="0"/>
               <a:sym typeface="+mn-ea"/>
             </a:endParaRPr>
           </a:p>
@@ -18095,8 +18144,8 @@
                     </a:srgbClr>
                   </a:outerShdw>
                 </a:effectLst>
-                <a:latin typeface="Arial" panose="020B0604020202020204" pitchFamily="34" charset="0"/>
-                <a:ea typeface="Arial" panose="020B0604020202020204" pitchFamily="34" charset="0"/>
+                <a:latin typeface="Arial" pitchFamily="34" charset="0"/>
+                <a:ea typeface="Arial" pitchFamily="34" charset="0"/>
                 <a:sym typeface="+mn-ea"/>
               </a:rPr>
               <a:t>The fan cannot touch with your finger while it is turning.</a:t>
@@ -18112,8 +18161,8 @@
                   </a:srgbClr>
                 </a:outerShdw>
               </a:effectLst>
-              <a:latin typeface="Arial" panose="020B0604020202020204" pitchFamily="34" charset="0"/>
-              <a:ea typeface="Arial" panose="020B0604020202020204" pitchFamily="34" charset="0"/>
+              <a:latin typeface="Arial" pitchFamily="34" charset="0"/>
+              <a:ea typeface="Arial" pitchFamily="34" charset="0"/>
               <a:sym typeface="+mn-ea"/>
             </a:endParaRPr>
           </a:p>
@@ -18147,8 +18196,8 @@
                     <a:lumMod val="75000"/>
                   </a:schemeClr>
                 </a:solidFill>
-                <a:latin typeface="Arial" panose="020B0604020202020204" pitchFamily="34" charset="0"/>
-                <a:ea typeface="Arial" panose="020B0604020202020204" pitchFamily="34" charset="0"/>
+                <a:latin typeface="Arial" pitchFamily="34" charset="0"/>
+                <a:ea typeface="Arial" pitchFamily="34" charset="0"/>
               </a:rPr>
               <a:t>Connection </a:t>
             </a:r>
@@ -18158,8 +18207,8 @@
                   <a:lumMod val="75000"/>
                 </a:schemeClr>
               </a:solidFill>
-              <a:latin typeface="Arial" panose="020B0604020202020204" pitchFamily="34" charset="0"/>
-              <a:ea typeface="Arial" panose="020B0604020202020204" pitchFamily="34" charset="0"/>
+              <a:latin typeface="Arial" pitchFamily="34" charset="0"/>
+              <a:ea typeface="Arial" pitchFamily="34" charset="0"/>
             </a:endParaRPr>
           </a:p>
         </p:txBody>
@@ -18232,8 +18281,8 @@
                 <a:solidFill>
                   <a:schemeClr val="bg1"/>
                 </a:solidFill>
-                <a:latin typeface="Arial" panose="020B0604020202020204" pitchFamily="34" charset="0"/>
-                <a:ea typeface="Arial" panose="020B0604020202020204" pitchFamily="34" charset="0"/>
+                <a:latin typeface="Arial" pitchFamily="34" charset="0"/>
+                <a:ea typeface="Arial" pitchFamily="34" charset="0"/>
               </a:rPr>
               <a:t>                     </a:t>
             </a:r>
@@ -18242,8 +18291,8 @@
                 <a:solidFill>
                   <a:schemeClr val="bg1"/>
                 </a:solidFill>
-                <a:latin typeface="Arial" panose="020B0604020202020204" pitchFamily="34" charset="0"/>
-                <a:ea typeface="Arial" panose="020B0604020202020204" pitchFamily="34" charset="0"/>
+                <a:latin typeface="Arial" pitchFamily="34" charset="0"/>
+                <a:ea typeface="Arial" pitchFamily="34" charset="0"/>
               </a:rPr>
               <a:t>            </a:t>
             </a:r>
@@ -18252,8 +18301,8 @@
                 <a:solidFill>
                   <a:schemeClr val="bg1"/>
                 </a:solidFill>
-                <a:latin typeface="Arial" panose="020B0604020202020204" pitchFamily="34" charset="0"/>
-                <a:ea typeface="Arial" panose="020B0604020202020204" pitchFamily="34" charset="0"/>
+                <a:latin typeface="Arial" pitchFamily="34" charset="0"/>
+                <a:ea typeface="Arial" pitchFamily="34" charset="0"/>
               </a:rPr>
               <a:t>micro:bit</a:t>
             </a:r>
@@ -18262,8 +18311,8 @@
                 <a:solidFill>
                   <a:schemeClr val="bg1"/>
                 </a:solidFill>
-                <a:latin typeface="Arial" panose="020B0604020202020204" pitchFamily="34" charset="0"/>
-                <a:ea typeface="Arial" panose="020B0604020202020204" pitchFamily="34" charset="0"/>
+                <a:latin typeface="Arial" pitchFamily="34" charset="0"/>
+                <a:ea typeface="Arial" pitchFamily="34" charset="0"/>
               </a:rPr>
               <a:t> entry video tutorial</a:t>
             </a:r>
@@ -18272,21 +18321,21 @@
                 <a:solidFill>
                   <a:schemeClr val="bg1"/>
                 </a:solidFill>
-                <a:latin typeface="Arial" panose="020B0604020202020204" pitchFamily="34" charset="0"/>
-                <a:ea typeface="Arial" panose="020B0604020202020204" pitchFamily="34" charset="0"/>
+                <a:latin typeface="Arial" pitchFamily="34" charset="0"/>
+                <a:ea typeface="Arial" pitchFamily="34" charset="0"/>
               </a:rPr>
               <a:t> </a:t>
             </a:r>
             <a:r>
               <a:rPr lang="zh-CN" altLang="en-US" sz="2800" u="sng">
                 <a:latin typeface="icomoon" charset="0"/>
-                <a:ea typeface="Yu Gothic UI Semibold" panose="020B0700000000000000" charset="-128"/>
+                <a:ea typeface="Yu Gothic UI Semibold" charset="-128"/>
               </a:rPr>
               <a:t>                                </a:t>
             </a:r>
             <a:endParaRPr lang="zh-CN" altLang="en-US" sz="2800" u="sng">
               <a:latin typeface="icomoon" charset="0"/>
-              <a:ea typeface="Yu Gothic UI Semibold" panose="020B0700000000000000" charset="-128"/>
+              <a:ea typeface="Yu Gothic UI Semibold" charset="-128"/>
             </a:endParaRPr>
           </a:p>
         </p:txBody>
@@ -18686,8 +18735,8 @@
                 <a:solidFill>
                   <a:schemeClr val="bg1"/>
                 </a:solidFill>
-                <a:latin typeface="Arial" panose="020B0604020202020204" pitchFamily="34" charset="0"/>
-                <a:ea typeface="Arial" panose="020B0604020202020204" pitchFamily="34" charset="0"/>
+                <a:latin typeface="Arial" pitchFamily="34" charset="0"/>
+                <a:ea typeface="Arial" pitchFamily="34" charset="0"/>
                 <a:sym typeface="+mn-ea"/>
               </a:rPr>
               <a:t> </a:t>
@@ -18697,8 +18746,8 @@
                 <a:solidFill>
                   <a:schemeClr val="bg1"/>
                 </a:solidFill>
-                <a:latin typeface="Arial" panose="020B0604020202020204" pitchFamily="34" charset="0"/>
-                <a:ea typeface="Arial" panose="020B0604020202020204" pitchFamily="34" charset="0"/>
+                <a:latin typeface="Arial" pitchFamily="34" charset="0"/>
+                <a:ea typeface="Arial" pitchFamily="34" charset="0"/>
                 <a:sym typeface="+mn-ea"/>
               </a:rPr>
               <a:t>YahBoom     </a:t>
@@ -18708,8 +18757,8 @@
                 <a:solidFill>
                   <a:schemeClr val="bg1"/>
                 </a:solidFill>
-                <a:latin typeface="Arial" panose="020B0604020202020204" pitchFamily="34" charset="0"/>
-                <a:ea typeface="Arial" panose="020B0604020202020204" pitchFamily="34" charset="0"/>
+                <a:latin typeface="Arial" pitchFamily="34" charset="0"/>
+                <a:ea typeface="Arial" pitchFamily="34" charset="0"/>
                 <a:sym typeface="+mn-ea"/>
               </a:rPr>
               <a:t>micro:bit</a:t>
@@ -18719,8 +18768,8 @@
                 <a:solidFill>
                   <a:schemeClr val="bg1"/>
                 </a:solidFill>
-                <a:latin typeface="Arial" panose="020B0604020202020204" pitchFamily="34" charset="0"/>
-                <a:ea typeface="Arial" panose="020B0604020202020204" pitchFamily="34" charset="0"/>
+                <a:latin typeface="Arial" pitchFamily="34" charset="0"/>
+                <a:ea typeface="Arial" pitchFamily="34" charset="0"/>
                 <a:sym typeface="+mn-ea"/>
               </a:rPr>
               <a:t> module tutorial</a:t>
@@ -18757,8 +18806,8 @@
                     <a:lumMod val="75000"/>
                   </a:schemeClr>
                 </a:solidFill>
-                <a:latin typeface="Arial" panose="020B0604020202020204" pitchFamily="34" charset="0"/>
-                <a:ea typeface="Arial" panose="020B0604020202020204" pitchFamily="34" charset="0"/>
+                <a:latin typeface="Arial" pitchFamily="34" charset="0"/>
+                <a:ea typeface="Arial" pitchFamily="34" charset="0"/>
                 <a:sym typeface="+mn-ea"/>
               </a:rPr>
               <a:t>Part 3</a:t>
@@ -18769,8 +18818,8 @@
                   <a:lumMod val="75000"/>
                 </a:schemeClr>
               </a:solidFill>
-              <a:latin typeface="Arial" panose="020B0604020202020204" pitchFamily="34" charset="0"/>
-              <a:ea typeface="Arial" panose="020B0604020202020204" pitchFamily="34" charset="0"/>
+              <a:latin typeface="Arial" pitchFamily="34" charset="0"/>
+              <a:ea typeface="Arial" pitchFamily="34" charset="0"/>
               <a:sym typeface="+mn-ea"/>
             </a:endParaRPr>
           </a:p>
@@ -19051,8 +19100,8 @@
                     <a:lumMod val="75000"/>
                   </a:schemeClr>
                 </a:solidFill>
-                <a:latin typeface="Arial" panose="020B0604020202020204" pitchFamily="34" charset="0"/>
-                <a:ea typeface="Arial" panose="020B0604020202020204" pitchFamily="34" charset="0"/>
+                <a:latin typeface="Arial" pitchFamily="34" charset="0"/>
+                <a:ea typeface="Arial" pitchFamily="34" charset="0"/>
               </a:rPr>
               <a:t>Search for blocks</a:t>
             </a:r>
@@ -19062,8 +19111,8 @@
                   <a:lumMod val="75000"/>
                 </a:schemeClr>
               </a:solidFill>
-              <a:latin typeface="Arial" panose="020B0604020202020204" pitchFamily="34" charset="0"/>
-              <a:ea typeface="Arial" panose="020B0604020202020204" pitchFamily="34" charset="0"/>
+              <a:latin typeface="Arial" pitchFamily="34" charset="0"/>
+              <a:ea typeface="Arial" pitchFamily="34" charset="0"/>
             </a:endParaRPr>
           </a:p>
           <a:p>
@@ -19073,8 +19122,8 @@
                   <a:lumMod val="75000"/>
                 </a:schemeClr>
               </a:solidFill>
-              <a:latin typeface="Arial" panose="020B0604020202020204" pitchFamily="34" charset="0"/>
-              <a:ea typeface="Arial" panose="020B0604020202020204" pitchFamily="34" charset="0"/>
+              <a:latin typeface="Arial" pitchFamily="34" charset="0"/>
+              <a:ea typeface="Arial" pitchFamily="34" charset="0"/>
             </a:endParaRPr>
           </a:p>
         </p:txBody>
@@ -19159,8 +19208,8 @@
                 <a:solidFill>
                   <a:schemeClr val="bg1"/>
                 </a:solidFill>
-                <a:latin typeface="Arial" panose="020B0604020202020204" pitchFamily="34" charset="0"/>
-                <a:ea typeface="Arial" panose="020B0604020202020204" pitchFamily="34" charset="0"/>
+                <a:latin typeface="Arial" pitchFamily="34" charset="0"/>
+                <a:ea typeface="Arial" pitchFamily="34" charset="0"/>
               </a:rPr>
               <a:t>                     </a:t>
             </a:r>
@@ -19169,8 +19218,8 @@
                 <a:solidFill>
                   <a:schemeClr val="bg1"/>
                 </a:solidFill>
-                <a:latin typeface="Arial" panose="020B0604020202020204" pitchFamily="34" charset="0"/>
-                <a:ea typeface="Arial" panose="020B0604020202020204" pitchFamily="34" charset="0"/>
+                <a:latin typeface="Arial" pitchFamily="34" charset="0"/>
+                <a:ea typeface="Arial" pitchFamily="34" charset="0"/>
               </a:rPr>
               <a:t>            </a:t>
             </a:r>
@@ -19179,8 +19228,8 @@
                 <a:solidFill>
                   <a:schemeClr val="bg1"/>
                 </a:solidFill>
-                <a:latin typeface="Arial" panose="020B0604020202020204" pitchFamily="34" charset="0"/>
-                <a:ea typeface="Arial" panose="020B0604020202020204" pitchFamily="34" charset="0"/>
+                <a:latin typeface="Arial" pitchFamily="34" charset="0"/>
+                <a:ea typeface="Arial" pitchFamily="34" charset="0"/>
               </a:rPr>
               <a:t>micro:bit</a:t>
             </a:r>
@@ -19189,8 +19238,8 @@
                 <a:solidFill>
                   <a:schemeClr val="bg1"/>
                 </a:solidFill>
-                <a:latin typeface="Arial" panose="020B0604020202020204" pitchFamily="34" charset="0"/>
-                <a:ea typeface="Arial" panose="020B0604020202020204" pitchFamily="34" charset="0"/>
+                <a:latin typeface="Arial" pitchFamily="34" charset="0"/>
+                <a:ea typeface="Arial" pitchFamily="34" charset="0"/>
               </a:rPr>
               <a:t> entry video tutorial</a:t>
             </a:r>
@@ -19199,21 +19248,21 @@
                 <a:solidFill>
                   <a:schemeClr val="bg1"/>
                 </a:solidFill>
-                <a:latin typeface="Arial" panose="020B0604020202020204" pitchFamily="34" charset="0"/>
-                <a:ea typeface="Arial" panose="020B0604020202020204" pitchFamily="34" charset="0"/>
+                <a:latin typeface="Arial" pitchFamily="34" charset="0"/>
+                <a:ea typeface="Arial" pitchFamily="34" charset="0"/>
               </a:rPr>
               <a:t> </a:t>
             </a:r>
             <a:r>
               <a:rPr lang="zh-CN" altLang="en-US" sz="2800" u="sng">
                 <a:latin typeface="icomoon" charset="0"/>
-                <a:ea typeface="Yu Gothic UI Semibold" panose="020B0700000000000000" charset="-128"/>
+                <a:ea typeface="Yu Gothic UI Semibold" charset="-128"/>
               </a:rPr>
               <a:t>                                </a:t>
             </a:r>
             <a:endParaRPr lang="zh-CN" altLang="en-US" sz="2800" u="sng">
               <a:latin typeface="icomoon" charset="0"/>
-              <a:ea typeface="Yu Gothic UI Semibold" panose="020B0700000000000000" charset="-128"/>
+              <a:ea typeface="Yu Gothic UI Semibold" charset="-128"/>
             </a:endParaRPr>
           </a:p>
         </p:txBody>
@@ -19270,8 +19319,8 @@
                     <a:lumMod val="75000"/>
                   </a:schemeClr>
                 </a:solidFill>
-                <a:latin typeface="Arial" panose="020B0604020202020204" pitchFamily="34" charset="0"/>
-                <a:ea typeface="Arial" panose="020B0604020202020204" pitchFamily="34" charset="0"/>
+                <a:latin typeface="Arial" pitchFamily="34" charset="0"/>
+                <a:ea typeface="Arial" pitchFamily="34" charset="0"/>
                 <a:sym typeface="+mn-ea"/>
               </a:rPr>
               <a:t>Part 3</a:t>
@@ -19282,8 +19331,8 @@
                   <a:lumMod val="75000"/>
                 </a:schemeClr>
               </a:solidFill>
-              <a:latin typeface="Arial" panose="020B0604020202020204" pitchFamily="34" charset="0"/>
-              <a:ea typeface="Arial" panose="020B0604020202020204" pitchFamily="34" charset="0"/>
+              <a:latin typeface="Arial" pitchFamily="34" charset="0"/>
+              <a:ea typeface="Arial" pitchFamily="34" charset="0"/>
               <a:sym typeface="+mn-ea"/>
             </a:endParaRPr>
           </a:p>
@@ -19907,8 +19956,8 @@
                 <a:solidFill>
                   <a:schemeClr val="bg1"/>
                 </a:solidFill>
-                <a:latin typeface="Arial" panose="020B0604020202020204" pitchFamily="34" charset="0"/>
-                <a:ea typeface="Arial" panose="020B0604020202020204" pitchFamily="34" charset="0"/>
+                <a:latin typeface="Arial" pitchFamily="34" charset="0"/>
+                <a:ea typeface="Arial" pitchFamily="34" charset="0"/>
                 <a:sym typeface="+mn-ea"/>
               </a:rPr>
               <a:t> </a:t>
@@ -19918,8 +19967,8 @@
                 <a:solidFill>
                   <a:schemeClr val="bg1"/>
                 </a:solidFill>
-                <a:latin typeface="Arial" panose="020B0604020202020204" pitchFamily="34" charset="0"/>
-                <a:ea typeface="Arial" panose="020B0604020202020204" pitchFamily="34" charset="0"/>
+                <a:latin typeface="Arial" pitchFamily="34" charset="0"/>
+                <a:ea typeface="Arial" pitchFamily="34" charset="0"/>
                 <a:sym typeface="+mn-ea"/>
               </a:rPr>
               <a:t>YahBoom     </a:t>
@@ -19929,8 +19978,8 @@
                 <a:solidFill>
                   <a:schemeClr val="bg1"/>
                 </a:solidFill>
-                <a:latin typeface="Arial" panose="020B0604020202020204" pitchFamily="34" charset="0"/>
-                <a:ea typeface="Arial" panose="020B0604020202020204" pitchFamily="34" charset="0"/>
+                <a:latin typeface="Arial" pitchFamily="34" charset="0"/>
+                <a:ea typeface="Arial" pitchFamily="34" charset="0"/>
                 <a:sym typeface="+mn-ea"/>
               </a:rPr>
               <a:t>micro:bit</a:t>
@@ -19940,8 +19989,8 @@
                 <a:solidFill>
                   <a:schemeClr val="bg1"/>
                 </a:solidFill>
-                <a:latin typeface="Arial" panose="020B0604020202020204" pitchFamily="34" charset="0"/>
-                <a:ea typeface="Arial" panose="020B0604020202020204" pitchFamily="34" charset="0"/>
+                <a:latin typeface="Arial" pitchFamily="34" charset="0"/>
+                <a:ea typeface="Arial" pitchFamily="34" charset="0"/>
                 <a:sym typeface="+mn-ea"/>
               </a:rPr>
               <a:t> module tutorial</a:t>
@@ -19978,8 +20027,8 @@
                     <a:lumMod val="75000"/>
                   </a:schemeClr>
                 </a:solidFill>
-                <a:latin typeface="Arial" panose="020B0604020202020204" pitchFamily="34" charset="0"/>
-                <a:ea typeface="Arial" panose="020B0604020202020204" pitchFamily="34" charset="0"/>
+                <a:latin typeface="Arial" pitchFamily="34" charset="0"/>
+                <a:ea typeface="Arial" pitchFamily="34" charset="0"/>
               </a:rPr>
               <a:t>Search for blocks</a:t>
             </a:r>
@@ -19989,8 +20038,8 @@
                   <a:lumMod val="75000"/>
                 </a:schemeClr>
               </a:solidFill>
-              <a:latin typeface="Arial" panose="020B0604020202020204" pitchFamily="34" charset="0"/>
-              <a:ea typeface="Arial" panose="020B0604020202020204" pitchFamily="34" charset="0"/>
+              <a:latin typeface="Arial" pitchFamily="34" charset="0"/>
+              <a:ea typeface="Arial" pitchFamily="34" charset="0"/>
             </a:endParaRPr>
           </a:p>
           <a:p>
@@ -20000,8 +20049,8 @@
                   <a:lumMod val="75000"/>
                 </a:schemeClr>
               </a:solidFill>
-              <a:latin typeface="Arial" panose="020B0604020202020204" pitchFamily="34" charset="0"/>
-              <a:ea typeface="Arial" panose="020B0604020202020204" pitchFamily="34" charset="0"/>
+              <a:latin typeface="Arial" pitchFamily="34" charset="0"/>
+              <a:ea typeface="Arial" pitchFamily="34" charset="0"/>
             </a:endParaRPr>
           </a:p>
         </p:txBody>
@@ -20098,8 +20147,8 @@
                 <a:solidFill>
                   <a:schemeClr val="bg1"/>
                 </a:solidFill>
-                <a:latin typeface="Arial" panose="020B0604020202020204" pitchFamily="34" charset="0"/>
-                <a:ea typeface="Arial" panose="020B0604020202020204" pitchFamily="34" charset="0"/>
+                <a:latin typeface="Arial" pitchFamily="34" charset="0"/>
+                <a:ea typeface="Arial" pitchFamily="34" charset="0"/>
               </a:rPr>
               <a:t>                     </a:t>
             </a:r>
@@ -20108,8 +20157,8 @@
                 <a:solidFill>
                   <a:schemeClr val="bg1"/>
                 </a:solidFill>
-                <a:latin typeface="Arial" panose="020B0604020202020204" pitchFamily="34" charset="0"/>
-                <a:ea typeface="Arial" panose="020B0604020202020204" pitchFamily="34" charset="0"/>
+                <a:latin typeface="Arial" pitchFamily="34" charset="0"/>
+                <a:ea typeface="Arial" pitchFamily="34" charset="0"/>
               </a:rPr>
               <a:t>            </a:t>
             </a:r>
@@ -20118,8 +20167,8 @@
                 <a:solidFill>
                   <a:schemeClr val="bg1"/>
                 </a:solidFill>
-                <a:latin typeface="Arial" panose="020B0604020202020204" pitchFamily="34" charset="0"/>
-                <a:ea typeface="Arial" panose="020B0604020202020204" pitchFamily="34" charset="0"/>
+                <a:latin typeface="Arial" pitchFamily="34" charset="0"/>
+                <a:ea typeface="Arial" pitchFamily="34" charset="0"/>
               </a:rPr>
               <a:t>micro:bit</a:t>
             </a:r>
@@ -20128,8 +20177,8 @@
                 <a:solidFill>
                   <a:schemeClr val="bg1"/>
                 </a:solidFill>
-                <a:latin typeface="Arial" panose="020B0604020202020204" pitchFamily="34" charset="0"/>
-                <a:ea typeface="Arial" panose="020B0604020202020204" pitchFamily="34" charset="0"/>
+                <a:latin typeface="Arial" pitchFamily="34" charset="0"/>
+                <a:ea typeface="Arial" pitchFamily="34" charset="0"/>
               </a:rPr>
               <a:t> entry video tutorial</a:t>
             </a:r>
@@ -20138,21 +20187,21 @@
                 <a:solidFill>
                   <a:schemeClr val="bg1"/>
                 </a:solidFill>
-                <a:latin typeface="Arial" panose="020B0604020202020204" pitchFamily="34" charset="0"/>
-                <a:ea typeface="Arial" panose="020B0604020202020204" pitchFamily="34" charset="0"/>
+                <a:latin typeface="Arial" pitchFamily="34" charset="0"/>
+                <a:ea typeface="Arial" pitchFamily="34" charset="0"/>
               </a:rPr>
               <a:t> </a:t>
             </a:r>
             <a:r>
               <a:rPr lang="zh-CN" altLang="en-US" sz="2800" u="sng">
                 <a:latin typeface="icomoon" charset="0"/>
-                <a:ea typeface="Yu Gothic UI Semibold" panose="020B0700000000000000" charset="-128"/>
+                <a:ea typeface="Yu Gothic UI Semibold" charset="-128"/>
               </a:rPr>
               <a:t>                                </a:t>
             </a:r>
             <a:endParaRPr lang="zh-CN" altLang="en-US" sz="2800" u="sng">
               <a:latin typeface="icomoon" charset="0"/>
-              <a:ea typeface="Yu Gothic UI Semibold" panose="020B0700000000000000" charset="-128"/>
+              <a:ea typeface="Yu Gothic UI Semibold" charset="-128"/>
             </a:endParaRPr>
           </a:p>
         </p:txBody>
@@ -20185,8 +20234,8 @@
                     <a:lumMod val="75000"/>
                   </a:schemeClr>
                 </a:solidFill>
-                <a:latin typeface="Arial" panose="020B0604020202020204" pitchFamily="34" charset="0"/>
-                <a:ea typeface="Arial" panose="020B0604020202020204" pitchFamily="34" charset="0"/>
+                <a:latin typeface="Arial" pitchFamily="34" charset="0"/>
+                <a:ea typeface="Arial" pitchFamily="34" charset="0"/>
                 <a:sym typeface="+mn-ea"/>
               </a:rPr>
               <a:t>Part 3</a:t>
@@ -20197,8 +20246,8 @@
                   <a:lumMod val="75000"/>
                 </a:schemeClr>
               </a:solidFill>
-              <a:latin typeface="Arial" panose="020B0604020202020204" pitchFamily="34" charset="0"/>
-              <a:ea typeface="Arial" panose="020B0604020202020204" pitchFamily="34" charset="0"/>
+              <a:latin typeface="Arial" pitchFamily="34" charset="0"/>
+              <a:ea typeface="Arial" pitchFamily="34" charset="0"/>
               <a:sym typeface="+mn-ea"/>
             </a:endParaRPr>
           </a:p>
@@ -20822,8 +20871,8 @@
                 <a:solidFill>
                   <a:schemeClr val="bg1"/>
                 </a:solidFill>
-                <a:latin typeface="Arial" panose="020B0604020202020204" pitchFamily="34" charset="0"/>
-                <a:ea typeface="Arial" panose="020B0604020202020204" pitchFamily="34" charset="0"/>
+                <a:latin typeface="Arial" pitchFamily="34" charset="0"/>
+                <a:ea typeface="Arial" pitchFamily="34" charset="0"/>
                 <a:sym typeface="+mn-ea"/>
               </a:rPr>
               <a:t> </a:t>
@@ -20833,8 +20882,8 @@
                 <a:solidFill>
                   <a:schemeClr val="bg1"/>
                 </a:solidFill>
-                <a:latin typeface="Arial" panose="020B0604020202020204" pitchFamily="34" charset="0"/>
-                <a:ea typeface="Arial" panose="020B0604020202020204" pitchFamily="34" charset="0"/>
+                <a:latin typeface="Arial" pitchFamily="34" charset="0"/>
+                <a:ea typeface="Arial" pitchFamily="34" charset="0"/>
                 <a:sym typeface="+mn-ea"/>
               </a:rPr>
               <a:t>YahBoom     </a:t>
@@ -20844,8 +20893,8 @@
                 <a:solidFill>
                   <a:schemeClr val="bg1"/>
                 </a:solidFill>
-                <a:latin typeface="Arial" panose="020B0604020202020204" pitchFamily="34" charset="0"/>
-                <a:ea typeface="Arial" panose="020B0604020202020204" pitchFamily="34" charset="0"/>
+                <a:latin typeface="Arial" pitchFamily="34" charset="0"/>
+                <a:ea typeface="Arial" pitchFamily="34" charset="0"/>
                 <a:sym typeface="+mn-ea"/>
               </a:rPr>
               <a:t>micro:bit</a:t>
@@ -20855,8 +20904,8 @@
                 <a:solidFill>
                   <a:schemeClr val="bg1"/>
                 </a:solidFill>
-                <a:latin typeface="Arial" panose="020B0604020202020204" pitchFamily="34" charset="0"/>
-                <a:ea typeface="Arial" panose="020B0604020202020204" pitchFamily="34" charset="0"/>
+                <a:latin typeface="Arial" pitchFamily="34" charset="0"/>
+                <a:ea typeface="Arial" pitchFamily="34" charset="0"/>
                 <a:sym typeface="+mn-ea"/>
               </a:rPr>
               <a:t> module tutorial</a:t>
@@ -20893,8 +20942,8 @@
                     <a:lumMod val="75000"/>
                   </a:schemeClr>
                 </a:solidFill>
-                <a:latin typeface="Arial" panose="020B0604020202020204" pitchFamily="34" charset="0"/>
-                <a:ea typeface="Arial" panose="020B0604020202020204" pitchFamily="34" charset="0"/>
+                <a:latin typeface="Arial" pitchFamily="34" charset="0"/>
+                <a:ea typeface="Arial" pitchFamily="34" charset="0"/>
               </a:rPr>
               <a:t>Search for blocks</a:t>
             </a:r>
@@ -20904,8 +20953,8 @@
                   <a:lumMod val="75000"/>
                 </a:schemeClr>
               </a:solidFill>
-              <a:latin typeface="Arial" panose="020B0604020202020204" pitchFamily="34" charset="0"/>
-              <a:ea typeface="Arial" panose="020B0604020202020204" pitchFamily="34" charset="0"/>
+              <a:latin typeface="Arial" pitchFamily="34" charset="0"/>
+              <a:ea typeface="Arial" pitchFamily="34" charset="0"/>
             </a:endParaRPr>
           </a:p>
           <a:p>
@@ -20915,8 +20964,8 @@
                   <a:lumMod val="75000"/>
                 </a:schemeClr>
               </a:solidFill>
-              <a:latin typeface="Arial" panose="020B0604020202020204" pitchFamily="34" charset="0"/>
-              <a:ea typeface="Arial" panose="020B0604020202020204" pitchFamily="34" charset="0"/>
+              <a:latin typeface="Arial" pitchFamily="34" charset="0"/>
+              <a:ea typeface="Arial" pitchFamily="34" charset="0"/>
             </a:endParaRPr>
           </a:p>
         </p:txBody>
@@ -20989,8 +21038,8 @@
                 <a:solidFill>
                   <a:schemeClr val="bg1"/>
                 </a:solidFill>
-                <a:latin typeface="Arial" panose="020B0604020202020204" pitchFamily="34" charset="0"/>
-                <a:ea typeface="Arial" panose="020B0604020202020204" pitchFamily="34" charset="0"/>
+                <a:latin typeface="Arial" pitchFamily="34" charset="0"/>
+                <a:ea typeface="Arial" pitchFamily="34" charset="0"/>
               </a:rPr>
               <a:t>                     </a:t>
             </a:r>
@@ -20999,8 +21048,8 @@
                 <a:solidFill>
                   <a:schemeClr val="bg1"/>
                 </a:solidFill>
-                <a:latin typeface="Arial" panose="020B0604020202020204" pitchFamily="34" charset="0"/>
-                <a:ea typeface="Arial" panose="020B0604020202020204" pitchFamily="34" charset="0"/>
+                <a:latin typeface="Arial" pitchFamily="34" charset="0"/>
+                <a:ea typeface="Arial" pitchFamily="34" charset="0"/>
               </a:rPr>
               <a:t>            </a:t>
             </a:r>
@@ -21009,8 +21058,8 @@
                 <a:solidFill>
                   <a:schemeClr val="bg1"/>
                 </a:solidFill>
-                <a:latin typeface="Arial" panose="020B0604020202020204" pitchFamily="34" charset="0"/>
-                <a:ea typeface="Arial" panose="020B0604020202020204" pitchFamily="34" charset="0"/>
+                <a:latin typeface="Arial" pitchFamily="34" charset="0"/>
+                <a:ea typeface="Arial" pitchFamily="34" charset="0"/>
               </a:rPr>
               <a:t>micro:bit</a:t>
             </a:r>
@@ -21019,8 +21068,8 @@
                 <a:solidFill>
                   <a:schemeClr val="bg1"/>
                 </a:solidFill>
-                <a:latin typeface="Arial" panose="020B0604020202020204" pitchFamily="34" charset="0"/>
-                <a:ea typeface="Arial" panose="020B0604020202020204" pitchFamily="34" charset="0"/>
+                <a:latin typeface="Arial" pitchFamily="34" charset="0"/>
+                <a:ea typeface="Arial" pitchFamily="34" charset="0"/>
               </a:rPr>
               <a:t> entry video tutorial</a:t>
             </a:r>
@@ -21029,21 +21078,21 @@
                 <a:solidFill>
                   <a:schemeClr val="bg1"/>
                 </a:solidFill>
-                <a:latin typeface="Arial" panose="020B0604020202020204" pitchFamily="34" charset="0"/>
-                <a:ea typeface="Arial" panose="020B0604020202020204" pitchFamily="34" charset="0"/>
+                <a:latin typeface="Arial" pitchFamily="34" charset="0"/>
+                <a:ea typeface="Arial" pitchFamily="34" charset="0"/>
               </a:rPr>
               <a:t> </a:t>
             </a:r>
             <a:r>
               <a:rPr lang="zh-CN" altLang="en-US" sz="2800" u="sng">
                 <a:latin typeface="icomoon" charset="0"/>
-                <a:ea typeface="Yu Gothic UI Semibold" panose="020B0700000000000000" charset="-128"/>
+                <a:ea typeface="Yu Gothic UI Semibold" charset="-128"/>
               </a:rPr>
               <a:t>                                </a:t>
             </a:r>
             <a:endParaRPr lang="zh-CN" altLang="en-US" sz="2800" u="sng">
               <a:latin typeface="icomoon" charset="0"/>
-              <a:ea typeface="Yu Gothic UI Semibold" panose="020B0700000000000000" charset="-128"/>
+              <a:ea typeface="Yu Gothic UI Semibold" charset="-128"/>
             </a:endParaRPr>
           </a:p>
         </p:txBody>
@@ -21100,8 +21149,8 @@
                     <a:lumMod val="75000"/>
                   </a:schemeClr>
                 </a:solidFill>
-                <a:latin typeface="Arial" panose="020B0604020202020204" pitchFamily="34" charset="0"/>
-                <a:ea typeface="Arial" panose="020B0604020202020204" pitchFamily="34" charset="0"/>
+                <a:latin typeface="Arial" pitchFamily="34" charset="0"/>
+                <a:ea typeface="Arial" pitchFamily="34" charset="0"/>
                 <a:sym typeface="+mn-ea"/>
               </a:rPr>
               <a:t>Part 3</a:t>
@@ -21112,8 +21161,8 @@
                   <a:lumMod val="75000"/>
                 </a:schemeClr>
               </a:solidFill>
-              <a:latin typeface="Arial" panose="020B0604020202020204" pitchFamily="34" charset="0"/>
-              <a:ea typeface="Arial" panose="020B0604020202020204" pitchFamily="34" charset="0"/>
+              <a:latin typeface="Arial" pitchFamily="34" charset="0"/>
+              <a:ea typeface="Arial" pitchFamily="34" charset="0"/>
               <a:sym typeface="+mn-ea"/>
             </a:endParaRPr>
           </a:p>
@@ -21737,8 +21786,8 @@
                 <a:solidFill>
                   <a:schemeClr val="bg1"/>
                 </a:solidFill>
-                <a:latin typeface="Arial" panose="020B0604020202020204" pitchFamily="34" charset="0"/>
-                <a:ea typeface="Arial" panose="020B0604020202020204" pitchFamily="34" charset="0"/>
+                <a:latin typeface="Arial" pitchFamily="34" charset="0"/>
+                <a:ea typeface="Arial" pitchFamily="34" charset="0"/>
                 <a:sym typeface="+mn-ea"/>
               </a:rPr>
               <a:t> </a:t>
@@ -21748,8 +21797,8 @@
                 <a:solidFill>
                   <a:schemeClr val="bg1"/>
                 </a:solidFill>
-                <a:latin typeface="Arial" panose="020B0604020202020204" pitchFamily="34" charset="0"/>
-                <a:ea typeface="Arial" panose="020B0604020202020204" pitchFamily="34" charset="0"/>
+                <a:latin typeface="Arial" pitchFamily="34" charset="0"/>
+                <a:ea typeface="Arial" pitchFamily="34" charset="0"/>
                 <a:sym typeface="+mn-ea"/>
               </a:rPr>
               <a:t>YahBoom     </a:t>
@@ -21759,8 +21808,8 @@
                 <a:solidFill>
                   <a:schemeClr val="bg1"/>
                 </a:solidFill>
-                <a:latin typeface="Arial" panose="020B0604020202020204" pitchFamily="34" charset="0"/>
-                <a:ea typeface="Arial" panose="020B0604020202020204" pitchFamily="34" charset="0"/>
+                <a:latin typeface="Arial" pitchFamily="34" charset="0"/>
+                <a:ea typeface="Arial" pitchFamily="34" charset="0"/>
                 <a:sym typeface="+mn-ea"/>
               </a:rPr>
               <a:t>micro:bit</a:t>
@@ -21770,8 +21819,8 @@
                 <a:solidFill>
                   <a:schemeClr val="bg1"/>
                 </a:solidFill>
-                <a:latin typeface="Arial" panose="020B0604020202020204" pitchFamily="34" charset="0"/>
-                <a:ea typeface="Arial" panose="020B0604020202020204" pitchFamily="34" charset="0"/>
+                <a:latin typeface="Arial" pitchFamily="34" charset="0"/>
+                <a:ea typeface="Arial" pitchFamily="34" charset="0"/>
                 <a:sym typeface="+mn-ea"/>
               </a:rPr>
               <a:t> module tutorial</a:t>
@@ -21808,8 +21857,8 @@
                     <a:lumMod val="75000"/>
                   </a:schemeClr>
                 </a:solidFill>
-                <a:latin typeface="Arial" panose="020B0604020202020204" pitchFamily="34" charset="0"/>
-                <a:ea typeface="Arial" panose="020B0604020202020204" pitchFamily="34" charset="0"/>
+                <a:latin typeface="Arial" pitchFamily="34" charset="0"/>
+                <a:ea typeface="Arial" pitchFamily="34" charset="0"/>
               </a:rPr>
               <a:t>Search for blocks</a:t>
             </a:r>
@@ -21819,8 +21868,8 @@
                   <a:lumMod val="75000"/>
                 </a:schemeClr>
               </a:solidFill>
-              <a:latin typeface="Arial" panose="020B0604020202020204" pitchFamily="34" charset="0"/>
-              <a:ea typeface="Arial" panose="020B0604020202020204" pitchFamily="34" charset="0"/>
+              <a:latin typeface="Arial" pitchFamily="34" charset="0"/>
+              <a:ea typeface="Arial" pitchFamily="34" charset="0"/>
             </a:endParaRPr>
           </a:p>
           <a:p>
@@ -21830,8 +21879,8 @@
                   <a:lumMod val="75000"/>
                 </a:schemeClr>
               </a:solidFill>
-              <a:latin typeface="Arial" panose="020B0604020202020204" pitchFamily="34" charset="0"/>
-              <a:ea typeface="Arial" panose="020B0604020202020204" pitchFamily="34" charset="0"/>
+              <a:latin typeface="Arial" pitchFamily="34" charset="0"/>
+              <a:ea typeface="Arial" pitchFamily="34" charset="0"/>
             </a:endParaRPr>
           </a:p>
         </p:txBody>
@@ -22059,6 +22108,8 @@
       </a:bgFillStyleLst>
     </a:fmtScheme>
   </a:themeElements>
+  <a:objectDefaults/>
+  <a:extraClrSchemeLst/>
   <a:extLst>
     <a:ext uri="{05A4C25C-085E-4340-85A3-A5531E510DB2}">
       <thm15:themeFamily xmlns:thm15="http://schemas.microsoft.com/office/thememl/2012/main" name="Office Theme" id="{62F939B6-93AF-4DB8-9C6B-D6C7DFDC589F}" vid="{4A3C46E8-61CC-4603-A589-7422A47A8E4A}"/>
@@ -22318,6 +22369,8 @@
       </a:bgFillStyleLst>
     </a:fmtScheme>
   </a:themeElements>
+  <a:objectDefaults/>
+  <a:extraClrSchemeLst/>
   <a:extLst>
     <a:ext uri="{05A4C25C-085E-4340-85A3-A5531E510DB2}">
       <thm15:themeFamily xmlns:thm15="http://schemas.microsoft.com/office/thememl/2012/main" name="Office Theme" id="{62F939B6-93AF-4DB8-9C6B-D6C7DFDC589F}" vid="{4A3C46E8-61CC-4603-A589-7422A47A8E4A}"/>
@@ -22577,6 +22630,8 @@
       </a:bgFillStyleLst>
     </a:fmtScheme>
   </a:themeElements>
+  <a:objectDefaults/>
+  <a:extraClrSchemeLst/>
   <a:extLst>
     <a:ext uri="{05A4C25C-085E-4340-85A3-A5531E510DB2}">
       <thm15:themeFamily xmlns:thm15="http://schemas.microsoft.com/office/thememl/2012/main" name="Office Theme" id="{62F939B6-93AF-4DB8-9C6B-D6C7DFDC589F}" vid="{4A3C46E8-61CC-4603-A589-7422A47A8E4A}"/>
